--- a/GitHub_Tools.pptx
+++ b/GitHub_Tools.pptx
@@ -6,6 +6,20 @@
   </p:sldMasterIdLst>
   <p:sldIdLst>
     <p:sldId id="256" r:id="rId2"/>
+    <p:sldId id="257" r:id="rId3"/>
+    <p:sldId id="258" r:id="rId4"/>
+    <p:sldId id="259" r:id="rId5"/>
+    <p:sldId id="260" r:id="rId6"/>
+    <p:sldId id="261" r:id="rId7"/>
+    <p:sldId id="262" r:id="rId8"/>
+    <p:sldId id="263" r:id="rId9"/>
+    <p:sldId id="265" r:id="rId10"/>
+    <p:sldId id="264" r:id="rId11"/>
+    <p:sldId id="266" r:id="rId12"/>
+    <p:sldId id="267" r:id="rId13"/>
+    <p:sldId id="268" r:id="rId14"/>
+    <p:sldId id="269" r:id="rId15"/>
+    <p:sldId id="270" r:id="rId16"/>
   </p:sldIdLst>
   <p:sldSz cx="12192000" cy="6858000"/>
   <p:notesSz cx="6858000" cy="9144000"/>
@@ -3498,10 +3512,15 @@
         </p:nvSpPr>
         <p:spPr/>
         <p:txBody>
-          <a:bodyPr/>
-          <a:lstStyle/>
-          <a:p>
-            <a:endParaRPr lang="en-US"/>
+          <a:bodyPr>
+            <a:normAutofit fontScale="90000"/>
+          </a:bodyPr>
+          <a:lstStyle/>
+          <a:p>
+            <a:r>
+              <a:rPr lang="en-US" dirty="0"/>
+              <a:t>Introduction to version control for academics using GitHub</a:t>
+            </a:r>
           </a:p>
         </p:txBody>
       </p:sp>
@@ -3526,14 +3545,2106 @@
           <a:bodyPr/>
           <a:lstStyle/>
           <a:p>
-            <a:endParaRPr lang="en-US"/>
-          </a:p>
-        </p:txBody>
-      </p:sp>
+            <a:r>
+              <a:rPr lang="en-US" dirty="0"/>
+              <a:t>Samuel Forbes</a:t>
+            </a:r>
+          </a:p>
+        </p:txBody>
+      </p:sp>
+      <p:sp>
+        <p:nvSpPr>
+          <p:cNvPr id="4" name="TextBox 3">
+            <a:extLst>
+              <a:ext uri="{FF2B5EF4-FFF2-40B4-BE49-F238E27FC236}">
+                <a16:creationId xmlns:a16="http://schemas.microsoft.com/office/drawing/2014/main" id="{6F9B30D1-20A9-4841-A20E-0B575B5A2548}"/>
+              </a:ext>
+            </a:extLst>
+          </p:cNvPr>
+          <p:cNvSpPr txBox="1"/>
+          <p:nvPr/>
+        </p:nvSpPr>
+        <p:spPr>
+          <a:xfrm>
+            <a:off x="925975" y="6120883"/>
+            <a:ext cx="2270943" cy="369332"/>
+          </a:xfrm>
+          <a:prstGeom prst="rect">
+            <a:avLst/>
+          </a:prstGeom>
+          <a:noFill/>
+        </p:spPr>
+        <p:txBody>
+          <a:bodyPr wrap="none" rtlCol="0">
+            <a:spAutoFit/>
+          </a:bodyPr>
+          <a:lstStyle/>
+          <a:p>
+            <a:r>
+              <a:rPr lang="en-US" dirty="0">
+                <a:latin typeface="Garamond" panose="02020404030301010803" pitchFamily="18" charset="0"/>
+              </a:rPr>
+              <a:t>Twitter: @</a:t>
+            </a:r>
+            <a:r>
+              <a:rPr lang="en-US" dirty="0" err="1">
+                <a:latin typeface="Garamond" panose="02020404030301010803" pitchFamily="18" charset="0"/>
+              </a:rPr>
+              <a:t>samhforbes</a:t>
+            </a:r>
+            <a:endParaRPr lang="en-US" dirty="0">
+              <a:latin typeface="Garamond" panose="02020404030301010803" pitchFamily="18" charset="0"/>
+            </a:endParaRPr>
+          </a:p>
+        </p:txBody>
+      </p:sp>
+      <p:pic>
+        <p:nvPicPr>
+          <p:cNvPr id="5" name="Picture 4" descr="Logo&#10;&#10;Description automatically generated">
+            <a:extLst>
+              <a:ext uri="{FF2B5EF4-FFF2-40B4-BE49-F238E27FC236}">
+                <a16:creationId xmlns:a16="http://schemas.microsoft.com/office/drawing/2014/main" id="{C2D7E558-BF56-4645-95F2-83A02CC3CB98}"/>
+              </a:ext>
+            </a:extLst>
+          </p:cNvPr>
+          <p:cNvPicPr>
+            <a:picLocks noChangeAspect="1"/>
+          </p:cNvPicPr>
+          <p:nvPr/>
+        </p:nvPicPr>
+        <p:blipFill>
+          <a:blip r:embed="rId2"/>
+          <a:stretch>
+            <a:fillRect/>
+          </a:stretch>
+        </p:blipFill>
+        <p:spPr>
+          <a:xfrm>
+            <a:off x="9144000" y="321276"/>
+            <a:ext cx="3048000" cy="1257300"/>
+          </a:xfrm>
+          <a:prstGeom prst="rect">
+            <a:avLst/>
+          </a:prstGeom>
+        </p:spPr>
+      </p:pic>
     </p:spTree>
     <p:extLst>
       <p:ext uri="{BB962C8B-B14F-4D97-AF65-F5344CB8AC3E}">
         <p14:creationId xmlns:p14="http://schemas.microsoft.com/office/powerpoint/2010/main" val="2565394118"/>
+      </p:ext>
+    </p:extLst>
+  </p:cSld>
+  <p:clrMapOvr>
+    <a:masterClrMapping/>
+  </p:clrMapOvr>
+</p:sld>
+</file>
+
+<file path=ppt/slides/slide10.xml><?xml version="1.0" encoding="utf-8"?>
+<p:sld xmlns:a="http://schemas.openxmlformats.org/drawingml/2006/main" xmlns:r="http://schemas.openxmlformats.org/officeDocument/2006/relationships" xmlns:p="http://schemas.openxmlformats.org/presentationml/2006/main">
+  <p:cSld>
+    <p:spTree>
+      <p:nvGrpSpPr>
+        <p:cNvPr id="1" name=""/>
+        <p:cNvGrpSpPr/>
+        <p:nvPr/>
+      </p:nvGrpSpPr>
+      <p:grpSpPr>
+        <a:xfrm>
+          <a:off x="0" y="0"/>
+          <a:ext cx="0" cy="0"/>
+          <a:chOff x="0" y="0"/>
+          <a:chExt cx="0" cy="0"/>
+        </a:xfrm>
+      </p:grpSpPr>
+      <p:sp>
+        <p:nvSpPr>
+          <p:cNvPr id="2" name="Title 1">
+            <a:extLst>
+              <a:ext uri="{FF2B5EF4-FFF2-40B4-BE49-F238E27FC236}">
+                <a16:creationId xmlns:a16="http://schemas.microsoft.com/office/drawing/2014/main" id="{8C52838C-75CE-0F44-9B76-F8B5706B4483}"/>
+              </a:ext>
+            </a:extLst>
+          </p:cNvPr>
+          <p:cNvSpPr>
+            <a:spLocks noGrp="1"/>
+          </p:cNvSpPr>
+          <p:nvPr>
+            <p:ph type="title"/>
+          </p:nvPr>
+        </p:nvSpPr>
+        <p:spPr/>
+        <p:txBody>
+          <a:bodyPr/>
+          <a:lstStyle/>
+          <a:p>
+            <a:r>
+              <a:rPr lang="en-US" dirty="0"/>
+              <a:t>The basics of GitHub</a:t>
+            </a:r>
+          </a:p>
+        </p:txBody>
+      </p:sp>
+      <p:sp>
+        <p:nvSpPr>
+          <p:cNvPr id="3" name="Content Placeholder 2">
+            <a:extLst>
+              <a:ext uri="{FF2B5EF4-FFF2-40B4-BE49-F238E27FC236}">
+                <a16:creationId xmlns:a16="http://schemas.microsoft.com/office/drawing/2014/main" id="{C512E5CE-89A4-8840-915F-7E256977B90D}"/>
+              </a:ext>
+            </a:extLst>
+          </p:cNvPr>
+          <p:cNvSpPr>
+            <a:spLocks noGrp="1"/>
+          </p:cNvSpPr>
+          <p:nvPr>
+            <p:ph idx="1"/>
+          </p:nvPr>
+        </p:nvSpPr>
+        <p:spPr/>
+        <p:txBody>
+          <a:bodyPr/>
+          <a:lstStyle/>
+          <a:p>
+            <a:r>
+              <a:rPr lang="en-US" dirty="0"/>
+              <a:t>Fetch</a:t>
+            </a:r>
+          </a:p>
+          <a:p>
+            <a:r>
+              <a:rPr lang="en-US" dirty="0"/>
+              <a:t>Pull</a:t>
+            </a:r>
+          </a:p>
+          <a:p>
+            <a:r>
+              <a:rPr lang="en-US" dirty="0"/>
+              <a:t>Commit</a:t>
+            </a:r>
+          </a:p>
+          <a:p>
+            <a:r>
+              <a:rPr lang="en-US" dirty="0"/>
+              <a:t>Push</a:t>
+            </a:r>
+          </a:p>
+          <a:p>
+            <a:r>
+              <a:rPr lang="en-US" dirty="0"/>
+              <a:t>Merge (we will come back to this)</a:t>
+            </a:r>
+          </a:p>
+        </p:txBody>
+      </p:sp>
+      <p:pic>
+        <p:nvPicPr>
+          <p:cNvPr id="5" name="Picture 4" descr="Text&#10;&#10;Description automatically generated">
+            <a:extLst>
+              <a:ext uri="{FF2B5EF4-FFF2-40B4-BE49-F238E27FC236}">
+                <a16:creationId xmlns:a16="http://schemas.microsoft.com/office/drawing/2014/main" id="{91EEBCA5-3F29-E446-8DC6-79F26E4C8EE2}"/>
+              </a:ext>
+            </a:extLst>
+          </p:cNvPr>
+          <p:cNvPicPr>
+            <a:picLocks noChangeAspect="1"/>
+          </p:cNvPicPr>
+          <p:nvPr/>
+        </p:nvPicPr>
+        <p:blipFill>
+          <a:blip r:embed="rId2"/>
+          <a:stretch>
+            <a:fillRect/>
+          </a:stretch>
+        </p:blipFill>
+        <p:spPr>
+          <a:xfrm>
+            <a:off x="7140884" y="1919249"/>
+            <a:ext cx="3866639" cy="5020558"/>
+          </a:xfrm>
+          <a:prstGeom prst="rect">
+            <a:avLst/>
+          </a:prstGeom>
+        </p:spPr>
+      </p:pic>
+      <p:sp>
+        <p:nvSpPr>
+          <p:cNvPr id="6" name="TextBox 5">
+            <a:extLst>
+              <a:ext uri="{FF2B5EF4-FFF2-40B4-BE49-F238E27FC236}">
+                <a16:creationId xmlns:a16="http://schemas.microsoft.com/office/drawing/2014/main" id="{FC56B395-FCD8-FA4A-852A-29F460230D89}"/>
+              </a:ext>
+            </a:extLst>
+          </p:cNvPr>
+          <p:cNvSpPr txBox="1"/>
+          <p:nvPr/>
+        </p:nvSpPr>
+        <p:spPr>
+          <a:xfrm>
+            <a:off x="10214500" y="6550223"/>
+            <a:ext cx="1932324" cy="307777"/>
+          </a:xfrm>
+          <a:prstGeom prst="rect">
+            <a:avLst/>
+          </a:prstGeom>
+          <a:noFill/>
+        </p:spPr>
+        <p:txBody>
+          <a:bodyPr wrap="none" rtlCol="0">
+            <a:spAutoFit/>
+          </a:bodyPr>
+          <a:lstStyle/>
+          <a:p>
+            <a:r>
+              <a:rPr lang="en-US" sz="1400" dirty="0"/>
+              <a:t>https://</a:t>
+            </a:r>
+            <a:r>
+              <a:rPr lang="en-US" sz="1400" dirty="0" err="1"/>
+              <a:t>xkcd.com</a:t>
+            </a:r>
+            <a:r>
+              <a:rPr lang="en-US" sz="1400" dirty="0"/>
+              <a:t>/1597/</a:t>
+            </a:r>
+          </a:p>
+        </p:txBody>
+      </p:sp>
+    </p:spTree>
+    <p:extLst>
+      <p:ext uri="{BB962C8B-B14F-4D97-AF65-F5344CB8AC3E}">
+        <p14:creationId xmlns:p14="http://schemas.microsoft.com/office/powerpoint/2010/main" val="1423693274"/>
+      </p:ext>
+    </p:extLst>
+  </p:cSld>
+  <p:clrMapOvr>
+    <a:masterClrMapping/>
+  </p:clrMapOvr>
+</p:sld>
+</file>
+
+<file path=ppt/slides/slide11.xml><?xml version="1.0" encoding="utf-8"?>
+<p:sld xmlns:a="http://schemas.openxmlformats.org/drawingml/2006/main" xmlns:r="http://schemas.openxmlformats.org/officeDocument/2006/relationships" xmlns:p="http://schemas.openxmlformats.org/presentationml/2006/main">
+  <p:cSld>
+    <p:spTree>
+      <p:nvGrpSpPr>
+        <p:cNvPr id="1" name=""/>
+        <p:cNvGrpSpPr/>
+        <p:nvPr/>
+      </p:nvGrpSpPr>
+      <p:grpSpPr>
+        <a:xfrm>
+          <a:off x="0" y="0"/>
+          <a:ext cx="0" cy="0"/>
+          <a:chOff x="0" y="0"/>
+          <a:chExt cx="0" cy="0"/>
+        </a:xfrm>
+      </p:grpSpPr>
+      <p:sp>
+        <p:nvSpPr>
+          <p:cNvPr id="2" name="Title 1">
+            <a:extLst>
+              <a:ext uri="{FF2B5EF4-FFF2-40B4-BE49-F238E27FC236}">
+                <a16:creationId xmlns:a16="http://schemas.microsoft.com/office/drawing/2014/main" id="{10E68F01-8BD4-DA43-A456-5DDC30924314}"/>
+              </a:ext>
+            </a:extLst>
+          </p:cNvPr>
+          <p:cNvSpPr>
+            <a:spLocks noGrp="1"/>
+          </p:cNvSpPr>
+          <p:nvPr>
+            <p:ph type="title"/>
+          </p:nvPr>
+        </p:nvSpPr>
+        <p:spPr/>
+        <p:txBody>
+          <a:bodyPr/>
+          <a:lstStyle/>
+          <a:p>
+            <a:r>
+              <a:rPr lang="en-US" dirty="0"/>
+              <a:t>Fetch</a:t>
+            </a:r>
+          </a:p>
+        </p:txBody>
+      </p:sp>
+      <p:sp>
+        <p:nvSpPr>
+          <p:cNvPr id="3" name="Content Placeholder 2">
+            <a:extLst>
+              <a:ext uri="{FF2B5EF4-FFF2-40B4-BE49-F238E27FC236}">
+                <a16:creationId xmlns:a16="http://schemas.microsoft.com/office/drawing/2014/main" id="{CB20963E-EC2A-E445-A02D-B32491380EB4}"/>
+              </a:ext>
+            </a:extLst>
+          </p:cNvPr>
+          <p:cNvSpPr>
+            <a:spLocks noGrp="1"/>
+          </p:cNvSpPr>
+          <p:nvPr>
+            <p:ph idx="1"/>
+          </p:nvPr>
+        </p:nvSpPr>
+        <p:spPr/>
+        <p:txBody>
+          <a:bodyPr/>
+          <a:lstStyle/>
+          <a:p>
+            <a:r>
+              <a:rPr lang="en-US" dirty="0"/>
+              <a:t>Looks to see what’s on the cloud</a:t>
+            </a:r>
+          </a:p>
+          <a:p>
+            <a:r>
+              <a:rPr lang="en-US" dirty="0"/>
+              <a:t>Checking if you are up to date</a:t>
+            </a:r>
+          </a:p>
+          <a:p>
+            <a:r>
+              <a:rPr lang="en-US" dirty="0"/>
+              <a:t>Always remember to fetch!</a:t>
+            </a:r>
+          </a:p>
+        </p:txBody>
+      </p:sp>
+      <p:pic>
+        <p:nvPicPr>
+          <p:cNvPr id="5" name="Picture 4" descr="A person wearing a santa hat&#10;&#10;Description automatically generated with medium confidence">
+            <a:extLst>
+              <a:ext uri="{FF2B5EF4-FFF2-40B4-BE49-F238E27FC236}">
+                <a16:creationId xmlns:a16="http://schemas.microsoft.com/office/drawing/2014/main" id="{E17DD9E2-E8E5-5B4B-9B54-E290FF5507AF}"/>
+              </a:ext>
+            </a:extLst>
+          </p:cNvPr>
+          <p:cNvPicPr>
+            <a:picLocks noChangeAspect="1"/>
+          </p:cNvPicPr>
+          <p:nvPr/>
+        </p:nvPicPr>
+        <p:blipFill>
+          <a:blip r:embed="rId2"/>
+          <a:stretch>
+            <a:fillRect/>
+          </a:stretch>
+        </p:blipFill>
+        <p:spPr>
+          <a:xfrm>
+            <a:off x="6202020" y="2627453"/>
+            <a:ext cx="5823103" cy="4145260"/>
+          </a:xfrm>
+          <a:prstGeom prst="rect">
+            <a:avLst/>
+          </a:prstGeom>
+        </p:spPr>
+      </p:pic>
+    </p:spTree>
+    <p:extLst>
+      <p:ext uri="{BB962C8B-B14F-4D97-AF65-F5344CB8AC3E}">
+        <p14:creationId xmlns:p14="http://schemas.microsoft.com/office/powerpoint/2010/main" val="3313928426"/>
+      </p:ext>
+    </p:extLst>
+  </p:cSld>
+  <p:clrMapOvr>
+    <a:masterClrMapping/>
+  </p:clrMapOvr>
+</p:sld>
+</file>
+
+<file path=ppt/slides/slide12.xml><?xml version="1.0" encoding="utf-8"?>
+<p:sld xmlns:a="http://schemas.openxmlformats.org/drawingml/2006/main" xmlns:r="http://schemas.openxmlformats.org/officeDocument/2006/relationships" xmlns:p="http://schemas.openxmlformats.org/presentationml/2006/main">
+  <p:cSld>
+    <p:spTree>
+      <p:nvGrpSpPr>
+        <p:cNvPr id="1" name=""/>
+        <p:cNvGrpSpPr/>
+        <p:nvPr/>
+      </p:nvGrpSpPr>
+      <p:grpSpPr>
+        <a:xfrm>
+          <a:off x="0" y="0"/>
+          <a:ext cx="0" cy="0"/>
+          <a:chOff x="0" y="0"/>
+          <a:chExt cx="0" cy="0"/>
+        </a:xfrm>
+      </p:grpSpPr>
+      <p:sp>
+        <p:nvSpPr>
+          <p:cNvPr id="2" name="Title 1">
+            <a:extLst>
+              <a:ext uri="{FF2B5EF4-FFF2-40B4-BE49-F238E27FC236}">
+                <a16:creationId xmlns:a16="http://schemas.microsoft.com/office/drawing/2014/main" id="{D22FF728-5DE3-994A-B978-3F8C2D975356}"/>
+              </a:ext>
+            </a:extLst>
+          </p:cNvPr>
+          <p:cNvSpPr>
+            <a:spLocks noGrp="1"/>
+          </p:cNvSpPr>
+          <p:nvPr>
+            <p:ph type="title"/>
+          </p:nvPr>
+        </p:nvSpPr>
+        <p:spPr/>
+        <p:txBody>
+          <a:bodyPr/>
+          <a:lstStyle/>
+          <a:p>
+            <a:r>
+              <a:rPr lang="en-US" dirty="0"/>
+              <a:t>Pull</a:t>
+            </a:r>
+          </a:p>
+        </p:txBody>
+      </p:sp>
+      <p:sp>
+        <p:nvSpPr>
+          <p:cNvPr id="3" name="Content Placeholder 2">
+            <a:extLst>
+              <a:ext uri="{FF2B5EF4-FFF2-40B4-BE49-F238E27FC236}">
+                <a16:creationId xmlns:a16="http://schemas.microsoft.com/office/drawing/2014/main" id="{8DF6ECDE-6D45-0746-89D9-A985039FA48B}"/>
+              </a:ext>
+            </a:extLst>
+          </p:cNvPr>
+          <p:cNvSpPr>
+            <a:spLocks noGrp="1"/>
+          </p:cNvSpPr>
+          <p:nvPr>
+            <p:ph idx="1"/>
+          </p:nvPr>
+        </p:nvSpPr>
+        <p:spPr/>
+        <p:txBody>
+          <a:bodyPr/>
+          <a:lstStyle/>
+          <a:p>
+            <a:r>
+              <a:rPr lang="en-US" dirty="0"/>
+              <a:t>Updates your version with the cloud version</a:t>
+            </a:r>
+          </a:p>
+          <a:p>
+            <a:r>
+              <a:rPr lang="en-US" dirty="0"/>
+              <a:t>This ensures you are update</a:t>
+            </a:r>
+          </a:p>
+          <a:p>
+            <a:r>
+              <a:rPr lang="en-US" dirty="0"/>
+              <a:t>Pull (if able) before changing</a:t>
+            </a:r>
+          </a:p>
+        </p:txBody>
+      </p:sp>
+      <p:pic>
+        <p:nvPicPr>
+          <p:cNvPr id="5" name="Picture 4" descr="A picture containing text, building, outdoor, sign&#10;&#10;Description automatically generated">
+            <a:extLst>
+              <a:ext uri="{FF2B5EF4-FFF2-40B4-BE49-F238E27FC236}">
+                <a16:creationId xmlns:a16="http://schemas.microsoft.com/office/drawing/2014/main" id="{91622F8D-3F65-F141-ADA9-6A6CCF8FFBFC}"/>
+              </a:ext>
+            </a:extLst>
+          </p:cNvPr>
+          <p:cNvPicPr>
+            <a:picLocks noChangeAspect="1"/>
+          </p:cNvPicPr>
+          <p:nvPr/>
+        </p:nvPicPr>
+        <p:blipFill>
+          <a:blip r:embed="rId2"/>
+          <a:stretch>
+            <a:fillRect/>
+          </a:stretch>
+        </p:blipFill>
+        <p:spPr>
+          <a:xfrm>
+            <a:off x="7308046" y="2487930"/>
+            <a:ext cx="4877754" cy="4247170"/>
+          </a:xfrm>
+          <a:prstGeom prst="rect">
+            <a:avLst/>
+          </a:prstGeom>
+        </p:spPr>
+      </p:pic>
+      <p:sp>
+        <p:nvSpPr>
+          <p:cNvPr id="6" name="TextBox 5">
+            <a:extLst>
+              <a:ext uri="{FF2B5EF4-FFF2-40B4-BE49-F238E27FC236}">
+                <a16:creationId xmlns:a16="http://schemas.microsoft.com/office/drawing/2014/main" id="{2739D0AF-942B-E84F-8E72-C898A4225DCE}"/>
+              </a:ext>
+            </a:extLst>
+          </p:cNvPr>
+          <p:cNvSpPr txBox="1"/>
+          <p:nvPr/>
+        </p:nvSpPr>
+        <p:spPr>
+          <a:xfrm>
+            <a:off x="6096000" y="6585995"/>
+            <a:ext cx="2820709" cy="369332"/>
+          </a:xfrm>
+          <a:prstGeom prst="rect">
+            <a:avLst/>
+          </a:prstGeom>
+          <a:noFill/>
+        </p:spPr>
+        <p:txBody>
+          <a:bodyPr wrap="none" rtlCol="0">
+            <a:spAutoFit/>
+          </a:bodyPr>
+          <a:lstStyle/>
+          <a:p>
+            <a:r>
+              <a:rPr lang="en-US" dirty="0"/>
+              <a:t>(Larsen, the far side Gallery)</a:t>
+            </a:r>
+          </a:p>
+        </p:txBody>
+      </p:sp>
+    </p:spTree>
+    <p:extLst>
+      <p:ext uri="{BB962C8B-B14F-4D97-AF65-F5344CB8AC3E}">
+        <p14:creationId xmlns:p14="http://schemas.microsoft.com/office/powerpoint/2010/main" val="1401105454"/>
+      </p:ext>
+    </p:extLst>
+  </p:cSld>
+  <p:clrMapOvr>
+    <a:masterClrMapping/>
+  </p:clrMapOvr>
+</p:sld>
+</file>
+
+<file path=ppt/slides/slide13.xml><?xml version="1.0" encoding="utf-8"?>
+<p:sld xmlns:a="http://schemas.openxmlformats.org/drawingml/2006/main" xmlns:r="http://schemas.openxmlformats.org/officeDocument/2006/relationships" xmlns:p="http://schemas.openxmlformats.org/presentationml/2006/main">
+  <p:cSld>
+    <p:spTree>
+      <p:nvGrpSpPr>
+        <p:cNvPr id="1" name=""/>
+        <p:cNvGrpSpPr/>
+        <p:nvPr/>
+      </p:nvGrpSpPr>
+      <p:grpSpPr>
+        <a:xfrm>
+          <a:off x="0" y="0"/>
+          <a:ext cx="0" cy="0"/>
+          <a:chOff x="0" y="0"/>
+          <a:chExt cx="0" cy="0"/>
+        </a:xfrm>
+      </p:grpSpPr>
+      <p:sp>
+        <p:nvSpPr>
+          <p:cNvPr id="2" name="Title 1">
+            <a:extLst>
+              <a:ext uri="{FF2B5EF4-FFF2-40B4-BE49-F238E27FC236}">
+                <a16:creationId xmlns:a16="http://schemas.microsoft.com/office/drawing/2014/main" id="{6EC19A30-5E96-EE41-BE32-094583F596C7}"/>
+              </a:ext>
+            </a:extLst>
+          </p:cNvPr>
+          <p:cNvSpPr>
+            <a:spLocks noGrp="1"/>
+          </p:cNvSpPr>
+          <p:nvPr>
+            <p:ph type="title"/>
+          </p:nvPr>
+        </p:nvSpPr>
+        <p:spPr/>
+        <p:txBody>
+          <a:bodyPr/>
+          <a:lstStyle/>
+          <a:p>
+            <a:r>
+              <a:rPr lang="en-US" dirty="0"/>
+              <a:t>Commit</a:t>
+            </a:r>
+          </a:p>
+        </p:txBody>
+      </p:sp>
+      <p:sp>
+        <p:nvSpPr>
+          <p:cNvPr id="3" name="Content Placeholder 2">
+            <a:extLst>
+              <a:ext uri="{FF2B5EF4-FFF2-40B4-BE49-F238E27FC236}">
+                <a16:creationId xmlns:a16="http://schemas.microsoft.com/office/drawing/2014/main" id="{7F36B31C-1821-3D4C-B9DF-41C4AF5A3E5A}"/>
+              </a:ext>
+            </a:extLst>
+          </p:cNvPr>
+          <p:cNvSpPr>
+            <a:spLocks noGrp="1"/>
+          </p:cNvSpPr>
+          <p:nvPr>
+            <p:ph idx="1"/>
+          </p:nvPr>
+        </p:nvSpPr>
+        <p:spPr/>
+        <p:txBody>
+          <a:bodyPr/>
+          <a:lstStyle/>
+          <a:p>
+            <a:r>
+              <a:rPr lang="en-US" dirty="0"/>
+              <a:t>Commit records changes to your local branch</a:t>
+            </a:r>
+          </a:p>
+          <a:p>
+            <a:r>
+              <a:rPr lang="en-US" dirty="0"/>
+              <a:t>This records your change with timestamp</a:t>
+            </a:r>
+          </a:p>
+          <a:p>
+            <a:r>
+              <a:rPr lang="en-US" dirty="0"/>
+              <a:t>It can also record why you changed it</a:t>
+            </a:r>
+          </a:p>
+          <a:p>
+            <a:r>
+              <a:rPr lang="en-US" dirty="0"/>
+              <a:t>You can tag issues or people here</a:t>
+            </a:r>
+          </a:p>
+        </p:txBody>
+      </p:sp>
+      <p:pic>
+        <p:nvPicPr>
+          <p:cNvPr id="5" name="Picture 4" descr="Whiteboard&#10;&#10;Description automatically generated with medium confidence">
+            <a:extLst>
+              <a:ext uri="{FF2B5EF4-FFF2-40B4-BE49-F238E27FC236}">
+                <a16:creationId xmlns:a16="http://schemas.microsoft.com/office/drawing/2014/main" id="{A69C255A-7FED-CB4C-9EB7-E3842E0E96BA}"/>
+              </a:ext>
+            </a:extLst>
+          </p:cNvPr>
+          <p:cNvPicPr>
+            <a:picLocks noChangeAspect="1"/>
+          </p:cNvPicPr>
+          <p:nvPr/>
+        </p:nvPicPr>
+        <p:blipFill>
+          <a:blip r:embed="rId2"/>
+          <a:stretch>
+            <a:fillRect/>
+          </a:stretch>
+        </p:blipFill>
+        <p:spPr>
+          <a:xfrm>
+            <a:off x="7083706" y="3578371"/>
+            <a:ext cx="5202778" cy="3260896"/>
+          </a:xfrm>
+          <a:prstGeom prst="rect">
+            <a:avLst/>
+          </a:prstGeom>
+        </p:spPr>
+      </p:pic>
+      <p:sp>
+        <p:nvSpPr>
+          <p:cNvPr id="6" name="TextBox 5">
+            <a:extLst>
+              <a:ext uri="{FF2B5EF4-FFF2-40B4-BE49-F238E27FC236}">
+                <a16:creationId xmlns:a16="http://schemas.microsoft.com/office/drawing/2014/main" id="{3DE5DE08-7DDD-5C47-A09B-8E1D0631CADF}"/>
+              </a:ext>
+            </a:extLst>
+          </p:cNvPr>
+          <p:cNvSpPr txBox="1"/>
+          <p:nvPr/>
+        </p:nvSpPr>
+        <p:spPr>
+          <a:xfrm>
+            <a:off x="9503030" y="6550223"/>
+            <a:ext cx="2783454" cy="307777"/>
+          </a:xfrm>
+          <a:prstGeom prst="rect">
+            <a:avLst/>
+          </a:prstGeom>
+          <a:noFill/>
+        </p:spPr>
+        <p:txBody>
+          <a:bodyPr wrap="none" rtlCol="0">
+            <a:spAutoFit/>
+          </a:bodyPr>
+          <a:lstStyle/>
+          <a:p>
+            <a:r>
+              <a:rPr lang="en-US" sz="1400" dirty="0"/>
+              <a:t>(</a:t>
+            </a:r>
+            <a:r>
+              <a:rPr lang="en-US" sz="1400" dirty="0" err="1"/>
+              <a:t>Relationshipwellbeingspecialist.nz</a:t>
+            </a:r>
+            <a:r>
+              <a:rPr lang="en-US" sz="1400" dirty="0"/>
+              <a:t>)</a:t>
+            </a:r>
+          </a:p>
+        </p:txBody>
+      </p:sp>
+    </p:spTree>
+    <p:extLst>
+      <p:ext uri="{BB962C8B-B14F-4D97-AF65-F5344CB8AC3E}">
+        <p14:creationId xmlns:p14="http://schemas.microsoft.com/office/powerpoint/2010/main" val="3152282588"/>
+      </p:ext>
+    </p:extLst>
+  </p:cSld>
+  <p:clrMapOvr>
+    <a:masterClrMapping/>
+  </p:clrMapOvr>
+</p:sld>
+</file>
+
+<file path=ppt/slides/slide14.xml><?xml version="1.0" encoding="utf-8"?>
+<p:sld xmlns:a="http://schemas.openxmlformats.org/drawingml/2006/main" xmlns:r="http://schemas.openxmlformats.org/officeDocument/2006/relationships" xmlns:p="http://schemas.openxmlformats.org/presentationml/2006/main">
+  <p:cSld>
+    <p:spTree>
+      <p:nvGrpSpPr>
+        <p:cNvPr id="1" name=""/>
+        <p:cNvGrpSpPr/>
+        <p:nvPr/>
+      </p:nvGrpSpPr>
+      <p:grpSpPr>
+        <a:xfrm>
+          <a:off x="0" y="0"/>
+          <a:ext cx="0" cy="0"/>
+          <a:chOff x="0" y="0"/>
+          <a:chExt cx="0" cy="0"/>
+        </a:xfrm>
+      </p:grpSpPr>
+      <p:sp>
+        <p:nvSpPr>
+          <p:cNvPr id="2" name="Title 1">
+            <a:extLst>
+              <a:ext uri="{FF2B5EF4-FFF2-40B4-BE49-F238E27FC236}">
+                <a16:creationId xmlns:a16="http://schemas.microsoft.com/office/drawing/2014/main" id="{FD87131E-BA8A-4D48-B430-7548D7A40221}"/>
+              </a:ext>
+            </a:extLst>
+          </p:cNvPr>
+          <p:cNvSpPr>
+            <a:spLocks noGrp="1"/>
+          </p:cNvSpPr>
+          <p:nvPr>
+            <p:ph type="title"/>
+          </p:nvPr>
+        </p:nvSpPr>
+        <p:spPr/>
+        <p:txBody>
+          <a:bodyPr/>
+          <a:lstStyle/>
+          <a:p>
+            <a:r>
+              <a:rPr lang="en-US" dirty="0"/>
+              <a:t>Push</a:t>
+            </a:r>
+          </a:p>
+        </p:txBody>
+      </p:sp>
+      <p:sp>
+        <p:nvSpPr>
+          <p:cNvPr id="3" name="Content Placeholder 2">
+            <a:extLst>
+              <a:ext uri="{FF2B5EF4-FFF2-40B4-BE49-F238E27FC236}">
+                <a16:creationId xmlns:a16="http://schemas.microsoft.com/office/drawing/2014/main" id="{43C4D746-884B-454C-968C-5CECB67A9E88}"/>
+              </a:ext>
+            </a:extLst>
+          </p:cNvPr>
+          <p:cNvSpPr>
+            <a:spLocks noGrp="1"/>
+          </p:cNvSpPr>
+          <p:nvPr>
+            <p:ph idx="1"/>
+          </p:nvPr>
+        </p:nvSpPr>
+        <p:spPr/>
+        <p:txBody>
+          <a:bodyPr/>
+          <a:lstStyle/>
+          <a:p>
+            <a:r>
+              <a:rPr lang="en-US" dirty="0"/>
+              <a:t>Updates the cloud version with your commit(s)</a:t>
+            </a:r>
+          </a:p>
+          <a:p>
+            <a:r>
+              <a:rPr lang="en-US" dirty="0"/>
+              <a:t>This is normally the final step</a:t>
+            </a:r>
+          </a:p>
+          <a:p>
+            <a:r>
+              <a:rPr lang="en-US" dirty="0"/>
+              <a:t>Commits and accompanying notes are then saved on the cloud and ready for the next user / machine to pull</a:t>
+            </a:r>
+          </a:p>
+          <a:p>
+            <a:endParaRPr lang="en-US" dirty="0"/>
+          </a:p>
+        </p:txBody>
+      </p:sp>
+    </p:spTree>
+    <p:extLst>
+      <p:ext uri="{BB962C8B-B14F-4D97-AF65-F5344CB8AC3E}">
+        <p14:creationId xmlns:p14="http://schemas.microsoft.com/office/powerpoint/2010/main" val="3589288870"/>
+      </p:ext>
+    </p:extLst>
+  </p:cSld>
+  <p:clrMapOvr>
+    <a:masterClrMapping/>
+  </p:clrMapOvr>
+</p:sld>
+</file>
+
+<file path=ppt/slides/slide15.xml><?xml version="1.0" encoding="utf-8"?>
+<p:sld xmlns:a="http://schemas.openxmlformats.org/drawingml/2006/main" xmlns:r="http://schemas.openxmlformats.org/officeDocument/2006/relationships" xmlns:p="http://schemas.openxmlformats.org/presentationml/2006/main">
+  <p:cSld>
+    <p:spTree>
+      <p:nvGrpSpPr>
+        <p:cNvPr id="1" name=""/>
+        <p:cNvGrpSpPr/>
+        <p:nvPr/>
+      </p:nvGrpSpPr>
+      <p:grpSpPr>
+        <a:xfrm>
+          <a:off x="0" y="0"/>
+          <a:ext cx="0" cy="0"/>
+          <a:chOff x="0" y="0"/>
+          <a:chExt cx="0" cy="0"/>
+        </a:xfrm>
+      </p:grpSpPr>
+      <p:sp>
+        <p:nvSpPr>
+          <p:cNvPr id="2" name="Title 1">
+            <a:extLst>
+              <a:ext uri="{FF2B5EF4-FFF2-40B4-BE49-F238E27FC236}">
+                <a16:creationId xmlns:a16="http://schemas.microsoft.com/office/drawing/2014/main" id="{05AB6542-8849-A04C-8DA5-D616E8C01E05}"/>
+              </a:ext>
+            </a:extLst>
+          </p:cNvPr>
+          <p:cNvSpPr>
+            <a:spLocks noGrp="1"/>
+          </p:cNvSpPr>
+          <p:nvPr>
+            <p:ph type="title"/>
+          </p:nvPr>
+        </p:nvSpPr>
+        <p:spPr/>
+        <p:txBody>
+          <a:bodyPr/>
+          <a:lstStyle/>
+          <a:p>
+            <a:r>
+              <a:rPr lang="en-US" dirty="0"/>
+              <a:t>Basic workflow</a:t>
+            </a:r>
+          </a:p>
+        </p:txBody>
+      </p:sp>
+      <p:pic>
+        <p:nvPicPr>
+          <p:cNvPr id="5" name="Content Placeholder 4" descr="Graphical user interface, text&#10;&#10;Description automatically generated with medium confidence">
+            <a:extLst>
+              <a:ext uri="{FF2B5EF4-FFF2-40B4-BE49-F238E27FC236}">
+                <a16:creationId xmlns:a16="http://schemas.microsoft.com/office/drawing/2014/main" id="{16234B6C-39DC-764D-9E51-BBFA4A5281B5}"/>
+              </a:ext>
+            </a:extLst>
+          </p:cNvPr>
+          <p:cNvPicPr>
+            <a:picLocks noGrp="1" noChangeAspect="1"/>
+          </p:cNvPicPr>
+          <p:nvPr>
+            <p:ph idx="1"/>
+          </p:nvPr>
+        </p:nvPicPr>
+        <p:blipFill>
+          <a:blip r:embed="rId2"/>
+          <a:stretch>
+            <a:fillRect/>
+          </a:stretch>
+        </p:blipFill>
+        <p:spPr>
+          <a:xfrm>
+            <a:off x="4279739" y="2099569"/>
+            <a:ext cx="2590800" cy="520700"/>
+          </a:xfrm>
+        </p:spPr>
+      </p:pic>
+      <p:pic>
+        <p:nvPicPr>
+          <p:cNvPr id="7" name="Picture 6" descr="Graphical user interface, text, application, email&#10;&#10;Description automatically generated">
+            <a:extLst>
+              <a:ext uri="{FF2B5EF4-FFF2-40B4-BE49-F238E27FC236}">
+                <a16:creationId xmlns:a16="http://schemas.microsoft.com/office/drawing/2014/main" id="{FFE6E293-EC19-4B45-80B4-F35FDEA7E767}"/>
+              </a:ext>
+            </a:extLst>
+          </p:cNvPr>
+          <p:cNvPicPr>
+            <a:picLocks noChangeAspect="1"/>
+          </p:cNvPicPr>
+          <p:nvPr/>
+        </p:nvPicPr>
+        <p:blipFill>
+          <a:blip r:embed="rId3"/>
+          <a:stretch>
+            <a:fillRect/>
+          </a:stretch>
+        </p:blipFill>
+        <p:spPr>
+          <a:xfrm>
+            <a:off x="2187454" y="2802632"/>
+            <a:ext cx="7493000" cy="1435100"/>
+          </a:xfrm>
+          <a:prstGeom prst="rect">
+            <a:avLst/>
+          </a:prstGeom>
+        </p:spPr>
+      </p:pic>
+    </p:spTree>
+    <p:extLst>
+      <p:ext uri="{BB962C8B-B14F-4D97-AF65-F5344CB8AC3E}">
+        <p14:creationId xmlns:p14="http://schemas.microsoft.com/office/powerpoint/2010/main" val="2372991632"/>
+      </p:ext>
+    </p:extLst>
+  </p:cSld>
+  <p:clrMapOvr>
+    <a:masterClrMapping/>
+  </p:clrMapOvr>
+</p:sld>
+</file>
+
+<file path=ppt/slides/slide2.xml><?xml version="1.0" encoding="utf-8"?>
+<p:sld xmlns:a="http://schemas.openxmlformats.org/drawingml/2006/main" xmlns:r="http://schemas.openxmlformats.org/officeDocument/2006/relationships" xmlns:p="http://schemas.openxmlformats.org/presentationml/2006/main">
+  <p:cSld>
+    <p:spTree>
+      <p:nvGrpSpPr>
+        <p:cNvPr id="1" name=""/>
+        <p:cNvGrpSpPr/>
+        <p:nvPr/>
+      </p:nvGrpSpPr>
+      <p:grpSpPr>
+        <a:xfrm>
+          <a:off x="0" y="0"/>
+          <a:ext cx="0" cy="0"/>
+          <a:chOff x="0" y="0"/>
+          <a:chExt cx="0" cy="0"/>
+        </a:xfrm>
+      </p:grpSpPr>
+      <p:sp>
+        <p:nvSpPr>
+          <p:cNvPr id="2" name="Title 1">
+            <a:extLst>
+              <a:ext uri="{FF2B5EF4-FFF2-40B4-BE49-F238E27FC236}">
+                <a16:creationId xmlns:a16="http://schemas.microsoft.com/office/drawing/2014/main" id="{0F073FD1-FDAF-EB42-B574-DE917FAB7907}"/>
+              </a:ext>
+            </a:extLst>
+          </p:cNvPr>
+          <p:cNvSpPr>
+            <a:spLocks noGrp="1"/>
+          </p:cNvSpPr>
+          <p:nvPr>
+            <p:ph type="title"/>
+          </p:nvPr>
+        </p:nvSpPr>
+        <p:spPr/>
+        <p:txBody>
+          <a:bodyPr/>
+          <a:lstStyle/>
+          <a:p>
+            <a:r>
+              <a:rPr lang="en-US" dirty="0"/>
+              <a:t>Version Control</a:t>
+            </a:r>
+          </a:p>
+        </p:txBody>
+      </p:sp>
+      <p:pic>
+        <p:nvPicPr>
+          <p:cNvPr id="1026" name="Picture 2">
+            <a:extLst>
+              <a:ext uri="{FF2B5EF4-FFF2-40B4-BE49-F238E27FC236}">
+                <a16:creationId xmlns:a16="http://schemas.microsoft.com/office/drawing/2014/main" id="{BA95CCC5-C10E-314C-9FDB-D10C9717ABAC}"/>
+              </a:ext>
+            </a:extLst>
+          </p:cNvPr>
+          <p:cNvPicPr>
+            <a:picLocks noGrp="1" noChangeAspect="1" noChangeArrowheads="1"/>
+          </p:cNvPicPr>
+          <p:nvPr>
+            <p:ph idx="1"/>
+          </p:nvPr>
+        </p:nvPicPr>
+        <p:blipFill>
+          <a:blip r:embed="rId2">
+            <a:extLst>
+              <a:ext uri="{28A0092B-C50C-407E-A947-70E740481C1C}">
+                <a14:useLocalDpi xmlns:a14="http://schemas.microsoft.com/office/drawing/2010/main" val="0"/>
+              </a:ext>
+            </a:extLst>
+          </a:blip>
+          <a:srcRect/>
+          <a:stretch>
+            <a:fillRect/>
+          </a:stretch>
+        </p:blipFill>
+        <p:spPr bwMode="auto">
+          <a:xfrm>
+            <a:off x="7736086" y="1894680"/>
+            <a:ext cx="3722489" cy="4963320"/>
+          </a:xfrm>
+          <a:prstGeom prst="rect">
+            <a:avLst/>
+          </a:prstGeom>
+          <a:noFill/>
+          <a:extLst>
+            <a:ext uri="{909E8E84-426E-40DD-AFC4-6F175D3DCCD1}">
+              <a14:hiddenFill xmlns:a14="http://schemas.microsoft.com/office/drawing/2010/main">
+                <a:solidFill>
+                  <a:srgbClr val="FFFFFF"/>
+                </a:solidFill>
+              </a14:hiddenFill>
+            </a:ext>
+          </a:extLst>
+        </p:spPr>
+      </p:pic>
+      <p:sp>
+        <p:nvSpPr>
+          <p:cNvPr id="5" name="Content Placeholder 2">
+            <a:extLst>
+              <a:ext uri="{FF2B5EF4-FFF2-40B4-BE49-F238E27FC236}">
+                <a16:creationId xmlns:a16="http://schemas.microsoft.com/office/drawing/2014/main" id="{34E0D14A-BCCF-324F-BDD4-9DE80CAEAD97}"/>
+              </a:ext>
+            </a:extLst>
+          </p:cNvPr>
+          <p:cNvSpPr txBox="1">
+            <a:spLocks/>
+          </p:cNvSpPr>
+          <p:nvPr/>
+        </p:nvSpPr>
+        <p:spPr>
+          <a:xfrm>
+            <a:off x="838200" y="2487929"/>
+            <a:ext cx="6897886" cy="4351338"/>
+          </a:xfrm>
+          <a:prstGeom prst="rect">
+            <a:avLst/>
+          </a:prstGeom>
+        </p:spPr>
+        <p:txBody>
+          <a:bodyPr vert="horz" lIns="91440" tIns="45720" rIns="91440" bIns="45720" rtlCol="0">
+            <a:normAutofit/>
+          </a:bodyPr>
+          <a:lstStyle>
+            <a:lvl1pPr marL="228600" indent="-228600" algn="l" defTabSz="914400" rtl="0" eaLnBrk="1" latinLnBrk="0" hangingPunct="1">
+              <a:lnSpc>
+                <a:spcPct val="90000"/>
+              </a:lnSpc>
+              <a:spcBef>
+                <a:spcPts val="1000"/>
+              </a:spcBef>
+              <a:spcAft>
+                <a:spcPts val="600"/>
+              </a:spcAft>
+              <a:buFont typeface="Arial" panose="020B0604020202020204" pitchFamily="34" charset="0"/>
+              <a:buChar char="•"/>
+              <a:defRPr sz="2800" kern="1200">
+                <a:solidFill>
+                  <a:schemeClr val="tx1"/>
+                </a:solidFill>
+                <a:latin typeface="Garamond" panose="02020404030301010803" pitchFamily="18" charset="0"/>
+                <a:ea typeface="+mn-ea"/>
+                <a:cs typeface="+mn-cs"/>
+              </a:defRPr>
+            </a:lvl1pPr>
+            <a:lvl2pPr marL="685800" indent="-228600" algn="l" defTabSz="914400" rtl="0" eaLnBrk="1" latinLnBrk="0" hangingPunct="1">
+              <a:lnSpc>
+                <a:spcPct val="90000"/>
+              </a:lnSpc>
+              <a:spcBef>
+                <a:spcPts val="500"/>
+              </a:spcBef>
+              <a:spcAft>
+                <a:spcPts val="600"/>
+              </a:spcAft>
+              <a:buFont typeface="Arial" panose="020B0604020202020204" pitchFamily="34" charset="0"/>
+              <a:buChar char="•"/>
+              <a:defRPr sz="2400" kern="1200">
+                <a:solidFill>
+                  <a:schemeClr val="tx1"/>
+                </a:solidFill>
+                <a:latin typeface="Garamond" panose="02020404030301010803" pitchFamily="18" charset="0"/>
+                <a:ea typeface="+mn-ea"/>
+                <a:cs typeface="+mn-cs"/>
+              </a:defRPr>
+            </a:lvl2pPr>
+            <a:lvl3pPr marL="1143000" indent="-228600" algn="l" defTabSz="914400" rtl="0" eaLnBrk="1" latinLnBrk="0" hangingPunct="1">
+              <a:lnSpc>
+                <a:spcPct val="90000"/>
+              </a:lnSpc>
+              <a:spcBef>
+                <a:spcPts val="500"/>
+              </a:spcBef>
+              <a:spcAft>
+                <a:spcPts val="600"/>
+              </a:spcAft>
+              <a:buFont typeface="Arial" panose="020B0604020202020204" pitchFamily="34" charset="0"/>
+              <a:buChar char="•"/>
+              <a:defRPr sz="2000" kern="1200">
+                <a:solidFill>
+                  <a:schemeClr val="tx1"/>
+                </a:solidFill>
+                <a:latin typeface="Garamond" panose="02020404030301010803" pitchFamily="18" charset="0"/>
+                <a:ea typeface="+mn-ea"/>
+                <a:cs typeface="+mn-cs"/>
+              </a:defRPr>
+            </a:lvl3pPr>
+            <a:lvl4pPr marL="1600200" indent="-228600" algn="l" defTabSz="914400" rtl="0" eaLnBrk="1" latinLnBrk="0" hangingPunct="1">
+              <a:lnSpc>
+                <a:spcPct val="90000"/>
+              </a:lnSpc>
+              <a:spcBef>
+                <a:spcPts val="500"/>
+              </a:spcBef>
+              <a:spcAft>
+                <a:spcPts val="600"/>
+              </a:spcAft>
+              <a:buFont typeface="Arial" panose="020B0604020202020204" pitchFamily="34" charset="0"/>
+              <a:buChar char="•"/>
+              <a:defRPr sz="1800" kern="1200">
+                <a:solidFill>
+                  <a:schemeClr val="tx1"/>
+                </a:solidFill>
+                <a:latin typeface="Garamond" panose="02020404030301010803" pitchFamily="18" charset="0"/>
+                <a:ea typeface="+mn-ea"/>
+                <a:cs typeface="+mn-cs"/>
+              </a:defRPr>
+            </a:lvl4pPr>
+            <a:lvl5pPr marL="2057400" indent="-228600" algn="l" defTabSz="914400" rtl="0" eaLnBrk="1" latinLnBrk="0" hangingPunct="1">
+              <a:lnSpc>
+                <a:spcPct val="90000"/>
+              </a:lnSpc>
+              <a:spcBef>
+                <a:spcPts val="500"/>
+              </a:spcBef>
+              <a:spcAft>
+                <a:spcPts val="600"/>
+              </a:spcAft>
+              <a:buFont typeface="Arial" panose="020B0604020202020204" pitchFamily="34" charset="0"/>
+              <a:buChar char="•"/>
+              <a:defRPr sz="1800" kern="1200">
+                <a:solidFill>
+                  <a:schemeClr val="tx1"/>
+                </a:solidFill>
+                <a:latin typeface="Garamond" panose="02020404030301010803" pitchFamily="18" charset="0"/>
+                <a:ea typeface="+mn-ea"/>
+                <a:cs typeface="+mn-cs"/>
+              </a:defRPr>
+            </a:lvl5pPr>
+            <a:lvl6pPr marL="2514600" indent="-228600" algn="l" defTabSz="914400" rtl="0" eaLnBrk="1" latinLnBrk="0" hangingPunct="1">
+              <a:lnSpc>
+                <a:spcPct val="90000"/>
+              </a:lnSpc>
+              <a:spcBef>
+                <a:spcPts val="500"/>
+              </a:spcBef>
+              <a:buFont typeface="Arial" panose="020B0604020202020204" pitchFamily="34" charset="0"/>
+              <a:buChar char="•"/>
+              <a:defRPr sz="1800" kern="1200">
+                <a:solidFill>
+                  <a:schemeClr val="tx1"/>
+                </a:solidFill>
+                <a:latin typeface="+mn-lt"/>
+                <a:ea typeface="+mn-ea"/>
+                <a:cs typeface="+mn-cs"/>
+              </a:defRPr>
+            </a:lvl6pPr>
+            <a:lvl7pPr marL="2971800" indent="-228600" algn="l" defTabSz="914400" rtl="0" eaLnBrk="1" latinLnBrk="0" hangingPunct="1">
+              <a:lnSpc>
+                <a:spcPct val="90000"/>
+              </a:lnSpc>
+              <a:spcBef>
+                <a:spcPts val="500"/>
+              </a:spcBef>
+              <a:buFont typeface="Arial" panose="020B0604020202020204" pitchFamily="34" charset="0"/>
+              <a:buChar char="•"/>
+              <a:defRPr sz="1800" kern="1200">
+                <a:solidFill>
+                  <a:schemeClr val="tx1"/>
+                </a:solidFill>
+                <a:latin typeface="+mn-lt"/>
+                <a:ea typeface="+mn-ea"/>
+                <a:cs typeface="+mn-cs"/>
+              </a:defRPr>
+            </a:lvl7pPr>
+            <a:lvl8pPr marL="3429000" indent="-228600" algn="l" defTabSz="914400" rtl="0" eaLnBrk="1" latinLnBrk="0" hangingPunct="1">
+              <a:lnSpc>
+                <a:spcPct val="90000"/>
+              </a:lnSpc>
+              <a:spcBef>
+                <a:spcPts val="500"/>
+              </a:spcBef>
+              <a:buFont typeface="Arial" panose="020B0604020202020204" pitchFamily="34" charset="0"/>
+              <a:buChar char="•"/>
+              <a:defRPr sz="1800" kern="1200">
+                <a:solidFill>
+                  <a:schemeClr val="tx1"/>
+                </a:solidFill>
+                <a:latin typeface="+mn-lt"/>
+                <a:ea typeface="+mn-ea"/>
+                <a:cs typeface="+mn-cs"/>
+              </a:defRPr>
+            </a:lvl8pPr>
+            <a:lvl9pPr marL="3886200" indent="-228600" algn="l" defTabSz="914400" rtl="0" eaLnBrk="1" latinLnBrk="0" hangingPunct="1">
+              <a:lnSpc>
+                <a:spcPct val="90000"/>
+              </a:lnSpc>
+              <a:spcBef>
+                <a:spcPts val="500"/>
+              </a:spcBef>
+              <a:buFont typeface="Arial" panose="020B0604020202020204" pitchFamily="34" charset="0"/>
+              <a:buChar char="•"/>
+              <a:defRPr sz="1800" kern="1200">
+                <a:solidFill>
+                  <a:schemeClr val="tx1"/>
+                </a:solidFill>
+                <a:latin typeface="+mn-lt"/>
+                <a:ea typeface="+mn-ea"/>
+                <a:cs typeface="+mn-cs"/>
+              </a:defRPr>
+            </a:lvl9pPr>
+          </a:lstStyle>
+          <a:p>
+            <a:r>
+              <a:rPr lang="en-US" dirty="0"/>
+              <a:t>First and foremost, back up your work!</a:t>
+            </a:r>
+          </a:p>
+          <a:p>
+            <a:r>
+              <a:rPr lang="en-US" dirty="0"/>
+              <a:t>Back it up in a way that means you can find it and you know which version is most recent!</a:t>
+            </a:r>
+          </a:p>
+          <a:p>
+            <a:r>
+              <a:rPr lang="en-US" dirty="0"/>
+              <a:t>Is Final2 more recent than </a:t>
+            </a:r>
+            <a:r>
+              <a:rPr lang="en-US" dirty="0" err="1"/>
+              <a:t>Final_NEW</a:t>
+            </a:r>
+            <a:r>
+              <a:rPr lang="en-US" dirty="0"/>
+              <a:t>?</a:t>
+            </a:r>
+          </a:p>
+          <a:p>
+            <a:r>
+              <a:rPr lang="en-US" dirty="0"/>
+              <a:t>This gets worse when you are collaborating</a:t>
+            </a:r>
+          </a:p>
+        </p:txBody>
+      </p:sp>
+    </p:spTree>
+    <p:extLst>
+      <p:ext uri="{BB962C8B-B14F-4D97-AF65-F5344CB8AC3E}">
+        <p14:creationId xmlns:p14="http://schemas.microsoft.com/office/powerpoint/2010/main" val="65958092"/>
+      </p:ext>
+    </p:extLst>
+  </p:cSld>
+  <p:clrMapOvr>
+    <a:masterClrMapping/>
+  </p:clrMapOvr>
+</p:sld>
+</file>
+
+<file path=ppt/slides/slide3.xml><?xml version="1.0" encoding="utf-8"?>
+<p:sld xmlns:a="http://schemas.openxmlformats.org/drawingml/2006/main" xmlns:r="http://schemas.openxmlformats.org/officeDocument/2006/relationships" xmlns:p="http://schemas.openxmlformats.org/presentationml/2006/main">
+  <p:cSld>
+    <p:spTree>
+      <p:nvGrpSpPr>
+        <p:cNvPr id="1" name=""/>
+        <p:cNvGrpSpPr/>
+        <p:nvPr/>
+      </p:nvGrpSpPr>
+      <p:grpSpPr>
+        <a:xfrm>
+          <a:off x="0" y="0"/>
+          <a:ext cx="0" cy="0"/>
+          <a:chOff x="0" y="0"/>
+          <a:chExt cx="0" cy="0"/>
+        </a:xfrm>
+      </p:grpSpPr>
+      <p:sp>
+        <p:nvSpPr>
+          <p:cNvPr id="2" name="Title 1">
+            <a:extLst>
+              <a:ext uri="{FF2B5EF4-FFF2-40B4-BE49-F238E27FC236}">
+                <a16:creationId xmlns:a16="http://schemas.microsoft.com/office/drawing/2014/main" id="{4C8B5845-0096-C549-A802-209784B92A7A}"/>
+              </a:ext>
+            </a:extLst>
+          </p:cNvPr>
+          <p:cNvSpPr>
+            <a:spLocks noGrp="1"/>
+          </p:cNvSpPr>
+          <p:nvPr>
+            <p:ph type="title"/>
+          </p:nvPr>
+        </p:nvSpPr>
+        <p:spPr/>
+        <p:txBody>
+          <a:bodyPr/>
+          <a:lstStyle/>
+          <a:p>
+            <a:r>
+              <a:rPr lang="en-US" dirty="0"/>
+              <a:t>Version Control</a:t>
+            </a:r>
+          </a:p>
+        </p:txBody>
+      </p:sp>
+      <p:sp>
+        <p:nvSpPr>
+          <p:cNvPr id="3" name="Content Placeholder 2">
+            <a:extLst>
+              <a:ext uri="{FF2B5EF4-FFF2-40B4-BE49-F238E27FC236}">
+                <a16:creationId xmlns:a16="http://schemas.microsoft.com/office/drawing/2014/main" id="{24479FE2-4517-0A4A-A8FC-7849C2F609EC}"/>
+              </a:ext>
+            </a:extLst>
+          </p:cNvPr>
+          <p:cNvSpPr>
+            <a:spLocks noGrp="1"/>
+          </p:cNvSpPr>
+          <p:nvPr>
+            <p:ph idx="1"/>
+          </p:nvPr>
+        </p:nvSpPr>
+        <p:spPr/>
+        <p:txBody>
+          <a:bodyPr/>
+          <a:lstStyle/>
+          <a:p>
+            <a:r>
+              <a:rPr lang="en-US" dirty="0"/>
+              <a:t>Version control means we can see what’s changed and who changed it</a:t>
+            </a:r>
+          </a:p>
+          <a:p>
+            <a:r>
+              <a:rPr lang="en-US" dirty="0"/>
+              <a:t>We can also undo these changes if we need to</a:t>
+            </a:r>
+          </a:p>
+          <a:p>
+            <a:r>
+              <a:rPr lang="en-US" dirty="0"/>
+              <a:t>In some ways, this is a bit like google docs, but for other file types</a:t>
+            </a:r>
+          </a:p>
+        </p:txBody>
+      </p:sp>
+    </p:spTree>
+    <p:extLst>
+      <p:ext uri="{BB962C8B-B14F-4D97-AF65-F5344CB8AC3E}">
+        <p14:creationId xmlns:p14="http://schemas.microsoft.com/office/powerpoint/2010/main" val="2417189043"/>
+      </p:ext>
+    </p:extLst>
+  </p:cSld>
+  <p:clrMapOvr>
+    <a:masterClrMapping/>
+  </p:clrMapOvr>
+</p:sld>
+</file>
+
+<file path=ppt/slides/slide4.xml><?xml version="1.0" encoding="utf-8"?>
+<p:sld xmlns:a="http://schemas.openxmlformats.org/drawingml/2006/main" xmlns:r="http://schemas.openxmlformats.org/officeDocument/2006/relationships" xmlns:p="http://schemas.openxmlformats.org/presentationml/2006/main">
+  <p:cSld>
+    <p:spTree>
+      <p:nvGrpSpPr>
+        <p:cNvPr id="1" name=""/>
+        <p:cNvGrpSpPr/>
+        <p:nvPr/>
+      </p:nvGrpSpPr>
+      <p:grpSpPr>
+        <a:xfrm>
+          <a:off x="0" y="0"/>
+          <a:ext cx="0" cy="0"/>
+          <a:chOff x="0" y="0"/>
+          <a:chExt cx="0" cy="0"/>
+        </a:xfrm>
+      </p:grpSpPr>
+      <p:sp>
+        <p:nvSpPr>
+          <p:cNvPr id="2" name="Title 1">
+            <a:extLst>
+              <a:ext uri="{FF2B5EF4-FFF2-40B4-BE49-F238E27FC236}">
+                <a16:creationId xmlns:a16="http://schemas.microsoft.com/office/drawing/2014/main" id="{8149C5B7-94B6-BD43-8B67-8A1A45646CF3}"/>
+              </a:ext>
+            </a:extLst>
+          </p:cNvPr>
+          <p:cNvSpPr>
+            <a:spLocks noGrp="1"/>
+          </p:cNvSpPr>
+          <p:nvPr>
+            <p:ph type="title"/>
+          </p:nvPr>
+        </p:nvSpPr>
+        <p:spPr/>
+        <p:txBody>
+          <a:bodyPr/>
+          <a:lstStyle/>
+          <a:p>
+            <a:r>
+              <a:rPr lang="en-US" dirty="0"/>
+              <a:t>If you are a student</a:t>
+            </a:r>
+          </a:p>
+        </p:txBody>
+      </p:sp>
+      <p:sp>
+        <p:nvSpPr>
+          <p:cNvPr id="3" name="Content Placeholder 2">
+            <a:extLst>
+              <a:ext uri="{FF2B5EF4-FFF2-40B4-BE49-F238E27FC236}">
+                <a16:creationId xmlns:a16="http://schemas.microsoft.com/office/drawing/2014/main" id="{2A13C946-712B-E442-8866-4E32B4F4E8FE}"/>
+              </a:ext>
+            </a:extLst>
+          </p:cNvPr>
+          <p:cNvSpPr>
+            <a:spLocks noGrp="1"/>
+          </p:cNvSpPr>
+          <p:nvPr>
+            <p:ph idx="1"/>
+          </p:nvPr>
+        </p:nvSpPr>
+        <p:spPr/>
+        <p:txBody>
+          <a:bodyPr/>
+          <a:lstStyle/>
+          <a:p>
+            <a:r>
+              <a:rPr lang="en-US" dirty="0"/>
+              <a:t>Please please please back up your work…….. Please</a:t>
+            </a:r>
+          </a:p>
+          <a:p>
+            <a:r>
+              <a:rPr lang="en-US" dirty="0"/>
+              <a:t>Having version control in the cloud is good for this</a:t>
+            </a:r>
+          </a:p>
+          <a:p>
+            <a:r>
+              <a:rPr lang="en-US" dirty="0"/>
+              <a:t>Not good for all data / file types (speak to your PI)</a:t>
+            </a:r>
+          </a:p>
+          <a:p>
+            <a:r>
+              <a:rPr lang="en-US" dirty="0"/>
+              <a:t>You can keep up with which files are latest</a:t>
+            </a:r>
+          </a:p>
+          <a:p>
+            <a:r>
+              <a:rPr lang="en-US" dirty="0"/>
+              <a:t>Increase visibility / open science cred</a:t>
+            </a:r>
+          </a:p>
+        </p:txBody>
+      </p:sp>
+    </p:spTree>
+    <p:extLst>
+      <p:ext uri="{BB962C8B-B14F-4D97-AF65-F5344CB8AC3E}">
+        <p14:creationId xmlns:p14="http://schemas.microsoft.com/office/powerpoint/2010/main" val="1146984150"/>
+      </p:ext>
+    </p:extLst>
+  </p:cSld>
+  <p:clrMapOvr>
+    <a:masterClrMapping/>
+  </p:clrMapOvr>
+</p:sld>
+</file>
+
+<file path=ppt/slides/slide5.xml><?xml version="1.0" encoding="utf-8"?>
+<p:sld xmlns:a="http://schemas.openxmlformats.org/drawingml/2006/main" xmlns:r="http://schemas.openxmlformats.org/officeDocument/2006/relationships" xmlns:p="http://schemas.openxmlformats.org/presentationml/2006/main">
+  <p:cSld>
+    <p:spTree>
+      <p:nvGrpSpPr>
+        <p:cNvPr id="1" name=""/>
+        <p:cNvGrpSpPr/>
+        <p:nvPr/>
+      </p:nvGrpSpPr>
+      <p:grpSpPr>
+        <a:xfrm>
+          <a:off x="0" y="0"/>
+          <a:ext cx="0" cy="0"/>
+          <a:chOff x="0" y="0"/>
+          <a:chExt cx="0" cy="0"/>
+        </a:xfrm>
+      </p:grpSpPr>
+      <p:sp>
+        <p:nvSpPr>
+          <p:cNvPr id="2" name="Title 1">
+            <a:extLst>
+              <a:ext uri="{FF2B5EF4-FFF2-40B4-BE49-F238E27FC236}">
+                <a16:creationId xmlns:a16="http://schemas.microsoft.com/office/drawing/2014/main" id="{E0743E18-FF67-484E-9FCB-AE7F6D8DFD32}"/>
+              </a:ext>
+            </a:extLst>
+          </p:cNvPr>
+          <p:cNvSpPr>
+            <a:spLocks noGrp="1"/>
+          </p:cNvSpPr>
+          <p:nvPr>
+            <p:ph type="title"/>
+          </p:nvPr>
+        </p:nvSpPr>
+        <p:spPr/>
+        <p:txBody>
+          <a:bodyPr/>
+          <a:lstStyle/>
+          <a:p>
+            <a:r>
+              <a:rPr lang="en-US" dirty="0"/>
+              <a:t>If you are a PI / Researcher</a:t>
+            </a:r>
+          </a:p>
+        </p:txBody>
+      </p:sp>
+      <p:sp>
+        <p:nvSpPr>
+          <p:cNvPr id="3" name="Content Placeholder 2">
+            <a:extLst>
+              <a:ext uri="{FF2B5EF4-FFF2-40B4-BE49-F238E27FC236}">
+                <a16:creationId xmlns:a16="http://schemas.microsoft.com/office/drawing/2014/main" id="{5B41708E-FCE5-7444-9B2B-0099AC42E052}"/>
+              </a:ext>
+            </a:extLst>
+          </p:cNvPr>
+          <p:cNvSpPr>
+            <a:spLocks noGrp="1"/>
+          </p:cNvSpPr>
+          <p:nvPr>
+            <p:ph idx="1"/>
+          </p:nvPr>
+        </p:nvSpPr>
+        <p:spPr/>
+        <p:txBody>
+          <a:bodyPr/>
+          <a:lstStyle/>
+          <a:p>
+            <a:r>
+              <a:rPr lang="en-US" dirty="0"/>
+              <a:t>Avoid conflicting files with your collaborators</a:t>
+            </a:r>
+          </a:p>
+          <a:p>
+            <a:r>
+              <a:rPr lang="en-US" dirty="0"/>
+              <a:t>Track issues as they arise</a:t>
+            </a:r>
+          </a:p>
+          <a:p>
+            <a:r>
+              <a:rPr lang="en-US" dirty="0"/>
+              <a:t>Keep a lab/personal version of resources so knowledge isn’t lost</a:t>
+            </a:r>
+          </a:p>
+          <a:p>
+            <a:r>
+              <a:rPr lang="en-US" dirty="0"/>
+              <a:t>Keep an eye on analysis / data / </a:t>
+            </a:r>
+            <a:r>
+              <a:rPr lang="en-US" dirty="0" err="1"/>
+              <a:t>etc</a:t>
+            </a:r>
+            <a:endParaRPr lang="en-US" dirty="0"/>
+          </a:p>
+          <a:p>
+            <a:r>
+              <a:rPr lang="en-US" dirty="0"/>
+              <a:t>Share code / data </a:t>
+            </a:r>
+            <a:r>
+              <a:rPr lang="en-US" dirty="0" err="1"/>
+              <a:t>etc</a:t>
+            </a:r>
+            <a:endParaRPr lang="en-US" dirty="0"/>
+          </a:p>
+        </p:txBody>
+      </p:sp>
+    </p:spTree>
+    <p:extLst>
+      <p:ext uri="{BB962C8B-B14F-4D97-AF65-F5344CB8AC3E}">
+        <p14:creationId xmlns:p14="http://schemas.microsoft.com/office/powerpoint/2010/main" val="151202134"/>
+      </p:ext>
+    </p:extLst>
+  </p:cSld>
+  <p:clrMapOvr>
+    <a:masterClrMapping/>
+  </p:clrMapOvr>
+</p:sld>
+</file>
+
+<file path=ppt/slides/slide6.xml><?xml version="1.0" encoding="utf-8"?>
+<p:sld xmlns:a="http://schemas.openxmlformats.org/drawingml/2006/main" xmlns:r="http://schemas.openxmlformats.org/officeDocument/2006/relationships" xmlns:p="http://schemas.openxmlformats.org/presentationml/2006/main">
+  <p:cSld>
+    <p:spTree>
+      <p:nvGrpSpPr>
+        <p:cNvPr id="1" name=""/>
+        <p:cNvGrpSpPr/>
+        <p:nvPr/>
+      </p:nvGrpSpPr>
+      <p:grpSpPr>
+        <a:xfrm>
+          <a:off x="0" y="0"/>
+          <a:ext cx="0" cy="0"/>
+          <a:chOff x="0" y="0"/>
+          <a:chExt cx="0" cy="0"/>
+        </a:xfrm>
+      </p:grpSpPr>
+      <p:sp>
+        <p:nvSpPr>
+          <p:cNvPr id="2" name="Title 1">
+            <a:extLst>
+              <a:ext uri="{FF2B5EF4-FFF2-40B4-BE49-F238E27FC236}">
+                <a16:creationId xmlns:a16="http://schemas.microsoft.com/office/drawing/2014/main" id="{4A64D0AE-9145-7446-9F84-8340095A3611}"/>
+              </a:ext>
+            </a:extLst>
+          </p:cNvPr>
+          <p:cNvSpPr>
+            <a:spLocks noGrp="1"/>
+          </p:cNvSpPr>
+          <p:nvPr>
+            <p:ph type="title"/>
+          </p:nvPr>
+        </p:nvSpPr>
+        <p:spPr/>
+        <p:txBody>
+          <a:bodyPr/>
+          <a:lstStyle/>
+          <a:p>
+            <a:r>
+              <a:rPr lang="en-US" dirty="0"/>
+              <a:t>Introducing GitHub</a:t>
+            </a:r>
+          </a:p>
+        </p:txBody>
+      </p:sp>
+      <p:pic>
+        <p:nvPicPr>
+          <p:cNvPr id="5" name="Content Placeholder 4" descr="A screenshot of a video game&#10;&#10;Description automatically generated">
+            <a:extLst>
+              <a:ext uri="{FF2B5EF4-FFF2-40B4-BE49-F238E27FC236}">
+                <a16:creationId xmlns:a16="http://schemas.microsoft.com/office/drawing/2014/main" id="{700E0FC7-4EFD-6540-8B58-A24CCFC766A4}"/>
+              </a:ext>
+            </a:extLst>
+          </p:cNvPr>
+          <p:cNvPicPr>
+            <a:picLocks noGrp="1" noChangeAspect="1"/>
+          </p:cNvPicPr>
+          <p:nvPr>
+            <p:ph idx="1"/>
+          </p:nvPr>
+        </p:nvPicPr>
+        <p:blipFill>
+          <a:blip r:embed="rId2"/>
+          <a:stretch>
+            <a:fillRect/>
+          </a:stretch>
+        </p:blipFill>
+        <p:spPr>
+          <a:xfrm>
+            <a:off x="371475" y="1897461"/>
+            <a:ext cx="11413302" cy="4941490"/>
+          </a:xfrm>
+        </p:spPr>
+      </p:pic>
+    </p:spTree>
+    <p:extLst>
+      <p:ext uri="{BB962C8B-B14F-4D97-AF65-F5344CB8AC3E}">
+        <p14:creationId xmlns:p14="http://schemas.microsoft.com/office/powerpoint/2010/main" val="3911014869"/>
+      </p:ext>
+    </p:extLst>
+  </p:cSld>
+  <p:clrMapOvr>
+    <a:masterClrMapping/>
+  </p:clrMapOvr>
+</p:sld>
+</file>
+
+<file path=ppt/slides/slide7.xml><?xml version="1.0" encoding="utf-8"?>
+<p:sld xmlns:a="http://schemas.openxmlformats.org/drawingml/2006/main" xmlns:r="http://schemas.openxmlformats.org/officeDocument/2006/relationships" xmlns:p="http://schemas.openxmlformats.org/presentationml/2006/main">
+  <p:cSld>
+    <p:spTree>
+      <p:nvGrpSpPr>
+        <p:cNvPr id="1" name=""/>
+        <p:cNvGrpSpPr/>
+        <p:nvPr/>
+      </p:nvGrpSpPr>
+      <p:grpSpPr>
+        <a:xfrm>
+          <a:off x="0" y="0"/>
+          <a:ext cx="0" cy="0"/>
+          <a:chOff x="0" y="0"/>
+          <a:chExt cx="0" cy="0"/>
+        </a:xfrm>
+      </p:grpSpPr>
+      <p:sp>
+        <p:nvSpPr>
+          <p:cNvPr id="2" name="Title 1">
+            <a:extLst>
+              <a:ext uri="{FF2B5EF4-FFF2-40B4-BE49-F238E27FC236}">
+                <a16:creationId xmlns:a16="http://schemas.microsoft.com/office/drawing/2014/main" id="{18DD9566-9DD4-0246-8084-D15736521D59}"/>
+              </a:ext>
+            </a:extLst>
+          </p:cNvPr>
+          <p:cNvSpPr>
+            <a:spLocks noGrp="1"/>
+          </p:cNvSpPr>
+          <p:nvPr>
+            <p:ph type="title"/>
+          </p:nvPr>
+        </p:nvSpPr>
+        <p:spPr/>
+        <p:txBody>
+          <a:bodyPr/>
+          <a:lstStyle/>
+          <a:p>
+            <a:r>
+              <a:rPr lang="en-US" dirty="0"/>
+              <a:t>New to GitHub</a:t>
+            </a:r>
+          </a:p>
+        </p:txBody>
+      </p:sp>
+      <p:sp>
+        <p:nvSpPr>
+          <p:cNvPr id="3" name="Content Placeholder 2">
+            <a:extLst>
+              <a:ext uri="{FF2B5EF4-FFF2-40B4-BE49-F238E27FC236}">
+                <a16:creationId xmlns:a16="http://schemas.microsoft.com/office/drawing/2014/main" id="{1FB6EE1D-6279-EF45-8E93-2394D8659469}"/>
+              </a:ext>
+            </a:extLst>
+          </p:cNvPr>
+          <p:cNvSpPr>
+            <a:spLocks noGrp="1"/>
+          </p:cNvSpPr>
+          <p:nvPr>
+            <p:ph idx="1"/>
+          </p:nvPr>
+        </p:nvSpPr>
+        <p:spPr/>
+        <p:txBody>
+          <a:bodyPr/>
+          <a:lstStyle/>
+          <a:p>
+            <a:r>
+              <a:rPr lang="en-US" dirty="0"/>
+              <a:t>Sign up at </a:t>
+            </a:r>
+            <a:r>
+              <a:rPr lang="en-US" dirty="0" err="1"/>
+              <a:t>github.com</a:t>
+            </a:r>
+            <a:r>
+              <a:rPr lang="en-US" dirty="0"/>
+              <a:t> to get a username</a:t>
+            </a:r>
+          </a:p>
+          <a:p>
+            <a:r>
+              <a:rPr lang="en-US" dirty="0"/>
+              <a:t>Sign up for an education pack (this is changing) at </a:t>
+            </a:r>
+            <a:r>
+              <a:rPr lang="en-US" dirty="0" err="1"/>
+              <a:t>education.github.com</a:t>
+            </a:r>
+            <a:endParaRPr lang="en-US" dirty="0"/>
+          </a:p>
+        </p:txBody>
+      </p:sp>
+      <p:pic>
+        <p:nvPicPr>
+          <p:cNvPr id="5" name="Picture 4" descr="Graphical user interface, application&#10;&#10;Description automatically generated">
+            <a:extLst>
+              <a:ext uri="{FF2B5EF4-FFF2-40B4-BE49-F238E27FC236}">
+                <a16:creationId xmlns:a16="http://schemas.microsoft.com/office/drawing/2014/main" id="{DE30E53C-2116-7646-A3E9-1E2B66FEB5DE}"/>
+              </a:ext>
+            </a:extLst>
+          </p:cNvPr>
+          <p:cNvPicPr>
+            <a:picLocks noChangeAspect="1"/>
+          </p:cNvPicPr>
+          <p:nvPr/>
+        </p:nvPicPr>
+        <p:blipFill>
+          <a:blip r:embed="rId2"/>
+          <a:stretch>
+            <a:fillRect/>
+          </a:stretch>
+        </p:blipFill>
+        <p:spPr>
+          <a:xfrm>
+            <a:off x="2374105" y="3670740"/>
+            <a:ext cx="7443789" cy="3291432"/>
+          </a:xfrm>
+          <a:prstGeom prst="rect">
+            <a:avLst/>
+          </a:prstGeom>
+        </p:spPr>
+      </p:pic>
+    </p:spTree>
+    <p:extLst>
+      <p:ext uri="{BB962C8B-B14F-4D97-AF65-F5344CB8AC3E}">
+        <p14:creationId xmlns:p14="http://schemas.microsoft.com/office/powerpoint/2010/main" val="1780275999"/>
+      </p:ext>
+    </p:extLst>
+  </p:cSld>
+  <p:clrMapOvr>
+    <a:masterClrMapping/>
+  </p:clrMapOvr>
+</p:sld>
+</file>
+
+<file path=ppt/slides/slide8.xml><?xml version="1.0" encoding="utf-8"?>
+<p:sld xmlns:a="http://schemas.openxmlformats.org/drawingml/2006/main" xmlns:r="http://schemas.openxmlformats.org/officeDocument/2006/relationships" xmlns:p="http://schemas.openxmlformats.org/presentationml/2006/main">
+  <p:cSld>
+    <p:spTree>
+      <p:nvGrpSpPr>
+        <p:cNvPr id="1" name=""/>
+        <p:cNvGrpSpPr/>
+        <p:nvPr/>
+      </p:nvGrpSpPr>
+      <p:grpSpPr>
+        <a:xfrm>
+          <a:off x="0" y="0"/>
+          <a:ext cx="0" cy="0"/>
+          <a:chOff x="0" y="0"/>
+          <a:chExt cx="0" cy="0"/>
+        </a:xfrm>
+      </p:grpSpPr>
+      <p:sp>
+        <p:nvSpPr>
+          <p:cNvPr id="2" name="Title 1">
+            <a:extLst>
+              <a:ext uri="{FF2B5EF4-FFF2-40B4-BE49-F238E27FC236}">
+                <a16:creationId xmlns:a16="http://schemas.microsoft.com/office/drawing/2014/main" id="{1AECB529-4C77-5F47-B592-E09EBD446F94}"/>
+              </a:ext>
+            </a:extLst>
+          </p:cNvPr>
+          <p:cNvSpPr>
+            <a:spLocks noGrp="1"/>
+          </p:cNvSpPr>
+          <p:nvPr>
+            <p:ph type="title"/>
+          </p:nvPr>
+        </p:nvSpPr>
+        <p:spPr/>
+        <p:txBody>
+          <a:bodyPr/>
+          <a:lstStyle/>
+          <a:p>
+            <a:r>
+              <a:rPr lang="en-US" dirty="0"/>
+              <a:t>Education pack</a:t>
+            </a:r>
+          </a:p>
+        </p:txBody>
+      </p:sp>
+      <p:sp>
+        <p:nvSpPr>
+          <p:cNvPr id="3" name="Content Placeholder 2">
+            <a:extLst>
+              <a:ext uri="{FF2B5EF4-FFF2-40B4-BE49-F238E27FC236}">
+                <a16:creationId xmlns:a16="http://schemas.microsoft.com/office/drawing/2014/main" id="{053E4E13-D877-C440-A9E7-9273D134C7C3}"/>
+              </a:ext>
+            </a:extLst>
+          </p:cNvPr>
+          <p:cNvSpPr>
+            <a:spLocks noGrp="1"/>
+          </p:cNvSpPr>
+          <p:nvPr>
+            <p:ph idx="1"/>
+          </p:nvPr>
+        </p:nvSpPr>
+        <p:spPr/>
+        <p:txBody>
+          <a:bodyPr/>
+          <a:lstStyle/>
+          <a:p>
+            <a:r>
+              <a:rPr lang="en-US" dirty="0"/>
+              <a:t>Comes with benefits for students and educators</a:t>
+            </a:r>
+          </a:p>
+          <a:p>
+            <a:r>
+              <a:rPr lang="en-US" dirty="0"/>
+              <a:t>Free GitHub Pro (unlimited private repositories)</a:t>
+            </a:r>
+          </a:p>
+          <a:p>
+            <a:r>
+              <a:rPr lang="en-US" dirty="0"/>
+              <a:t>1 year free </a:t>
+            </a:r>
+            <a:r>
+              <a:rPr lang="en-US" dirty="0" err="1"/>
+              <a:t>namecheap</a:t>
+            </a:r>
+            <a:r>
+              <a:rPr lang="en-US" dirty="0"/>
+              <a:t> hosting</a:t>
+            </a:r>
+          </a:p>
+          <a:p>
+            <a:r>
+              <a:rPr lang="en-US" dirty="0"/>
+              <a:t>3 month free </a:t>
+            </a:r>
+            <a:r>
+              <a:rPr lang="en-US" dirty="0" err="1"/>
+              <a:t>datacamp</a:t>
+            </a:r>
+            <a:r>
+              <a:rPr lang="en-US" dirty="0"/>
+              <a:t> experience</a:t>
+            </a:r>
+          </a:p>
+        </p:txBody>
+      </p:sp>
+    </p:spTree>
+    <p:extLst>
+      <p:ext uri="{BB962C8B-B14F-4D97-AF65-F5344CB8AC3E}">
+        <p14:creationId xmlns:p14="http://schemas.microsoft.com/office/powerpoint/2010/main" val="1520611973"/>
+      </p:ext>
+    </p:extLst>
+  </p:cSld>
+  <p:clrMapOvr>
+    <a:masterClrMapping/>
+  </p:clrMapOvr>
+</p:sld>
+</file>
+
+<file path=ppt/slides/slide9.xml><?xml version="1.0" encoding="utf-8"?>
+<p:sld xmlns:a="http://schemas.openxmlformats.org/drawingml/2006/main" xmlns:r="http://schemas.openxmlformats.org/officeDocument/2006/relationships" xmlns:p="http://schemas.openxmlformats.org/presentationml/2006/main">
+  <p:cSld>
+    <p:spTree>
+      <p:nvGrpSpPr>
+        <p:cNvPr id="1" name=""/>
+        <p:cNvGrpSpPr/>
+        <p:nvPr/>
+      </p:nvGrpSpPr>
+      <p:grpSpPr>
+        <a:xfrm>
+          <a:off x="0" y="0"/>
+          <a:ext cx="0" cy="0"/>
+          <a:chOff x="0" y="0"/>
+          <a:chExt cx="0" cy="0"/>
+        </a:xfrm>
+      </p:grpSpPr>
+      <p:sp>
+        <p:nvSpPr>
+          <p:cNvPr id="2" name="Title 1">
+            <a:extLst>
+              <a:ext uri="{FF2B5EF4-FFF2-40B4-BE49-F238E27FC236}">
+                <a16:creationId xmlns:a16="http://schemas.microsoft.com/office/drawing/2014/main" id="{AAAADFFC-35EF-7446-897E-7572F1BE95B4}"/>
+              </a:ext>
+            </a:extLst>
+          </p:cNvPr>
+          <p:cNvSpPr>
+            <a:spLocks noGrp="1"/>
+          </p:cNvSpPr>
+          <p:nvPr>
+            <p:ph type="title"/>
+          </p:nvPr>
+        </p:nvSpPr>
+        <p:spPr/>
+        <p:txBody>
+          <a:bodyPr/>
+          <a:lstStyle/>
+          <a:p>
+            <a:r>
+              <a:rPr lang="en-US" dirty="0"/>
+              <a:t>GitHub Desktop</a:t>
+            </a:r>
+          </a:p>
+        </p:txBody>
+      </p:sp>
+      <p:sp>
+        <p:nvSpPr>
+          <p:cNvPr id="3" name="Content Placeholder 2">
+            <a:extLst>
+              <a:ext uri="{FF2B5EF4-FFF2-40B4-BE49-F238E27FC236}">
+                <a16:creationId xmlns:a16="http://schemas.microsoft.com/office/drawing/2014/main" id="{0E0ECEB4-DC06-DA4B-A7BC-4497FA7A4F3B}"/>
+              </a:ext>
+            </a:extLst>
+          </p:cNvPr>
+          <p:cNvSpPr>
+            <a:spLocks noGrp="1"/>
+          </p:cNvSpPr>
+          <p:nvPr>
+            <p:ph idx="1"/>
+          </p:nvPr>
+        </p:nvSpPr>
+        <p:spPr/>
+        <p:txBody>
+          <a:bodyPr/>
+          <a:lstStyle/>
+          <a:p>
+            <a:r>
+              <a:rPr lang="en-US" dirty="0"/>
+              <a:t>Download from </a:t>
+            </a:r>
+            <a:r>
+              <a:rPr lang="en-US" dirty="0" err="1"/>
+              <a:t>desktop.github.com</a:t>
+            </a:r>
+            <a:endParaRPr lang="en-US" dirty="0"/>
+          </a:p>
+          <a:p>
+            <a:r>
+              <a:rPr lang="en-US" dirty="0"/>
+              <a:t>Not the only way to use GitHub!</a:t>
+            </a:r>
+          </a:p>
+        </p:txBody>
+      </p:sp>
+      <p:pic>
+        <p:nvPicPr>
+          <p:cNvPr id="5" name="Picture 4" descr="Graphical user interface, text, application&#10;&#10;Description automatically generated">
+            <a:extLst>
+              <a:ext uri="{FF2B5EF4-FFF2-40B4-BE49-F238E27FC236}">
+                <a16:creationId xmlns:a16="http://schemas.microsoft.com/office/drawing/2014/main" id="{85CC56B0-1198-7342-915F-B82888F65FA5}"/>
+              </a:ext>
+            </a:extLst>
+          </p:cNvPr>
+          <p:cNvPicPr>
+            <a:picLocks noChangeAspect="1"/>
+          </p:cNvPicPr>
+          <p:nvPr/>
+        </p:nvPicPr>
+        <p:blipFill>
+          <a:blip r:embed="rId2"/>
+          <a:stretch>
+            <a:fillRect/>
+          </a:stretch>
+        </p:blipFill>
+        <p:spPr>
+          <a:xfrm>
+            <a:off x="1772855" y="3713895"/>
+            <a:ext cx="8646290" cy="3144105"/>
+          </a:xfrm>
+          <a:prstGeom prst="rect">
+            <a:avLst/>
+          </a:prstGeom>
+        </p:spPr>
+      </p:pic>
+    </p:spTree>
+    <p:extLst>
+      <p:ext uri="{BB962C8B-B14F-4D97-AF65-F5344CB8AC3E}">
+        <p14:creationId xmlns:p14="http://schemas.microsoft.com/office/powerpoint/2010/main" val="3598636389"/>
       </p:ext>
     </p:extLst>
   </p:cSld>

--- a/GitHub_Tools.pptx
+++ b/GitHub_Tools.pptx
@@ -20,6 +20,7 @@
     <p:sldId id="268" r:id="rId14"/>
     <p:sldId id="269" r:id="rId15"/>
     <p:sldId id="270" r:id="rId16"/>
+    <p:sldId id="271" r:id="rId17"/>
   </p:sldIdLst>
   <p:sldSz cx="12192000" cy="6858000"/>
   <p:notesSz cx="6858000" cy="9144000"/>
@@ -4462,7 +4463,7 @@
         </p:blipFill>
         <p:spPr>
           <a:xfrm>
-            <a:off x="4279739" y="2099569"/>
+            <a:off x="4800599" y="1953142"/>
             <a:ext cx="2590800" cy="520700"/>
           </a:xfrm>
         </p:spPr>
@@ -4489,8 +4490,68 @@
         </p:blipFill>
         <p:spPr>
           <a:xfrm>
-            <a:off x="2187454" y="2802632"/>
-            <a:ext cx="7493000" cy="1435100"/>
+            <a:off x="3260201" y="2589098"/>
+            <a:ext cx="5671595" cy="1086255"/>
+          </a:xfrm>
+          <a:prstGeom prst="rect">
+            <a:avLst/>
+          </a:prstGeom>
+        </p:spPr>
+      </p:pic>
+      <p:pic>
+        <p:nvPicPr>
+          <p:cNvPr id="9" name="Picture 8" descr="Graphical user interface, text, application, chat or text message&#10;&#10;Description automatically generated">
+            <a:extLst>
+              <a:ext uri="{FF2B5EF4-FFF2-40B4-BE49-F238E27FC236}">
+                <a16:creationId xmlns:a16="http://schemas.microsoft.com/office/drawing/2014/main" id="{EF056549-1622-6545-84E9-DB334383D96A}"/>
+              </a:ext>
+            </a:extLst>
+          </p:cNvPr>
+          <p:cNvPicPr>
+            <a:picLocks noChangeAspect="1"/>
+          </p:cNvPicPr>
+          <p:nvPr/>
+        </p:nvPicPr>
+        <p:blipFill>
+          <a:blip r:embed="rId4"/>
+          <a:stretch>
+            <a:fillRect/>
+          </a:stretch>
+        </p:blipFill>
+        <p:spPr>
+          <a:xfrm>
+            <a:off x="4992665" y="3759593"/>
+            <a:ext cx="2206666" cy="1816186"/>
+          </a:xfrm>
+          <a:prstGeom prst="rect">
+            <a:avLst/>
+          </a:prstGeom>
+        </p:spPr>
+      </p:pic>
+      <p:pic>
+        <p:nvPicPr>
+          <p:cNvPr id="11" name="Picture 10" descr="Graphical user interface, application&#10;&#10;Description automatically generated">
+            <a:extLst>
+              <a:ext uri="{FF2B5EF4-FFF2-40B4-BE49-F238E27FC236}">
+                <a16:creationId xmlns:a16="http://schemas.microsoft.com/office/drawing/2014/main" id="{459451AF-022F-274F-87AE-E078298EA571}"/>
+              </a:ext>
+            </a:extLst>
+          </p:cNvPr>
+          <p:cNvPicPr>
+            <a:picLocks noChangeAspect="1"/>
+          </p:cNvPicPr>
+          <p:nvPr/>
+        </p:nvPicPr>
+        <p:blipFill>
+          <a:blip r:embed="rId5"/>
+          <a:stretch>
+            <a:fillRect/>
+          </a:stretch>
+        </p:blipFill>
+        <p:spPr>
+          <a:xfrm>
+            <a:off x="3260202" y="5660020"/>
+            <a:ext cx="5704660" cy="1197979"/>
           </a:xfrm>
           <a:prstGeom prst="rect">
             <a:avLst/>
@@ -4501,6 +4562,96 @@
     <p:extLst>
       <p:ext uri="{BB962C8B-B14F-4D97-AF65-F5344CB8AC3E}">
         <p14:creationId xmlns:p14="http://schemas.microsoft.com/office/powerpoint/2010/main" val="2372991632"/>
+      </p:ext>
+    </p:extLst>
+  </p:cSld>
+  <p:clrMapOvr>
+    <a:masterClrMapping/>
+  </p:clrMapOvr>
+</p:sld>
+</file>
+
+<file path=ppt/slides/slide16.xml><?xml version="1.0" encoding="utf-8"?>
+<p:sld xmlns:a="http://schemas.openxmlformats.org/drawingml/2006/main" xmlns:r="http://schemas.openxmlformats.org/officeDocument/2006/relationships" xmlns:p="http://schemas.openxmlformats.org/presentationml/2006/main">
+  <p:cSld>
+    <p:spTree>
+      <p:nvGrpSpPr>
+        <p:cNvPr id="1" name=""/>
+        <p:cNvGrpSpPr/>
+        <p:nvPr/>
+      </p:nvGrpSpPr>
+      <p:grpSpPr>
+        <a:xfrm>
+          <a:off x="0" y="0"/>
+          <a:ext cx="0" cy="0"/>
+          <a:chOff x="0" y="0"/>
+          <a:chExt cx="0" cy="0"/>
+        </a:xfrm>
+      </p:grpSpPr>
+      <p:sp>
+        <p:nvSpPr>
+          <p:cNvPr id="2" name="Title 1">
+            <a:extLst>
+              <a:ext uri="{FF2B5EF4-FFF2-40B4-BE49-F238E27FC236}">
+                <a16:creationId xmlns:a16="http://schemas.microsoft.com/office/drawing/2014/main" id="{3F61C3C3-5379-3E45-9D67-43E32ACCFB70}"/>
+              </a:ext>
+            </a:extLst>
+          </p:cNvPr>
+          <p:cNvSpPr>
+            <a:spLocks noGrp="1"/>
+          </p:cNvSpPr>
+          <p:nvPr>
+            <p:ph type="title"/>
+          </p:nvPr>
+        </p:nvSpPr>
+        <p:spPr/>
+        <p:txBody>
+          <a:bodyPr/>
+          <a:lstStyle/>
+          <a:p>
+            <a:r>
+              <a:rPr lang="en-US" dirty="0"/>
+              <a:t>File types</a:t>
+            </a:r>
+          </a:p>
+        </p:txBody>
+      </p:sp>
+      <p:sp>
+        <p:nvSpPr>
+          <p:cNvPr id="3" name="Content Placeholder 2">
+            <a:extLst>
+              <a:ext uri="{FF2B5EF4-FFF2-40B4-BE49-F238E27FC236}">
+                <a16:creationId xmlns:a16="http://schemas.microsoft.com/office/drawing/2014/main" id="{F9708575-B0F7-CE45-8D7C-BD758D9B85E9}"/>
+              </a:ext>
+            </a:extLst>
+          </p:cNvPr>
+          <p:cNvSpPr>
+            <a:spLocks noGrp="1"/>
+          </p:cNvSpPr>
+          <p:nvPr>
+            <p:ph idx="1"/>
+          </p:nvPr>
+        </p:nvSpPr>
+        <p:spPr/>
+        <p:txBody>
+          <a:bodyPr/>
+          <a:lstStyle/>
+          <a:p>
+            <a:r>
+              <a:rPr lang="en-US" dirty="0"/>
+              <a:t>GitHub is less useful </a:t>
+            </a:r>
+            <a:r>
+              <a:rPr lang="en-US"/>
+              <a:t>with binary file types</a:t>
+            </a:r>
+          </a:p>
+        </p:txBody>
+      </p:sp>
+    </p:spTree>
+    <p:extLst>
+      <p:ext uri="{BB962C8B-B14F-4D97-AF65-F5344CB8AC3E}">
+        <p14:creationId xmlns:p14="http://schemas.microsoft.com/office/powerpoint/2010/main" val="3565699373"/>
       </p:ext>
     </p:extLst>
   </p:cSld>

--- a/GitHub_Tools.pptx
+++ b/GitHub_Tools.pptx
@@ -15,12 +15,25 @@
     <p:sldId id="263" r:id="rId9"/>
     <p:sldId id="265" r:id="rId10"/>
     <p:sldId id="264" r:id="rId11"/>
-    <p:sldId id="266" r:id="rId12"/>
-    <p:sldId id="267" r:id="rId13"/>
-    <p:sldId id="268" r:id="rId14"/>
-    <p:sldId id="269" r:id="rId15"/>
-    <p:sldId id="270" r:id="rId16"/>
-    <p:sldId id="271" r:id="rId17"/>
+    <p:sldId id="279" r:id="rId12"/>
+    <p:sldId id="266" r:id="rId13"/>
+    <p:sldId id="267" r:id="rId14"/>
+    <p:sldId id="268" r:id="rId15"/>
+    <p:sldId id="269" r:id="rId16"/>
+    <p:sldId id="274" r:id="rId17"/>
+    <p:sldId id="270" r:id="rId18"/>
+    <p:sldId id="271" r:id="rId19"/>
+    <p:sldId id="272" r:id="rId20"/>
+    <p:sldId id="273" r:id="rId21"/>
+    <p:sldId id="275" r:id="rId22"/>
+    <p:sldId id="276" r:id="rId23"/>
+    <p:sldId id="277" r:id="rId24"/>
+    <p:sldId id="278" r:id="rId25"/>
+    <p:sldId id="280" r:id="rId26"/>
+    <p:sldId id="281" r:id="rId27"/>
+    <p:sldId id="282" r:id="rId28"/>
+    <p:sldId id="283" r:id="rId29"/>
+    <p:sldId id="284" r:id="rId30"/>
   </p:sldIdLst>
   <p:sldSz cx="12192000" cy="6858000"/>
   <p:notesSz cx="6858000" cy="9144000"/>
@@ -3847,6 +3860,110 @@
           <p:cNvPr id="2" name="Title 1">
             <a:extLst>
               <a:ext uri="{FF2B5EF4-FFF2-40B4-BE49-F238E27FC236}">
+                <a16:creationId xmlns:a16="http://schemas.microsoft.com/office/drawing/2014/main" id="{D5CF40D9-2006-8043-8C62-3F16ED0FE0C9}"/>
+              </a:ext>
+            </a:extLst>
+          </p:cNvPr>
+          <p:cNvSpPr>
+            <a:spLocks noGrp="1"/>
+          </p:cNvSpPr>
+          <p:nvPr>
+            <p:ph type="title"/>
+          </p:nvPr>
+        </p:nvSpPr>
+        <p:spPr/>
+        <p:txBody>
+          <a:bodyPr/>
+          <a:lstStyle/>
+          <a:p>
+            <a:r>
+              <a:rPr lang="en-US" dirty="0"/>
+              <a:t>Repositories</a:t>
+            </a:r>
+          </a:p>
+        </p:txBody>
+      </p:sp>
+      <p:sp>
+        <p:nvSpPr>
+          <p:cNvPr id="3" name="Content Placeholder 2">
+            <a:extLst>
+              <a:ext uri="{FF2B5EF4-FFF2-40B4-BE49-F238E27FC236}">
+                <a16:creationId xmlns:a16="http://schemas.microsoft.com/office/drawing/2014/main" id="{1E243E5D-3AED-9C41-BA81-CBE3C4F6A75B}"/>
+              </a:ext>
+            </a:extLst>
+          </p:cNvPr>
+          <p:cNvSpPr>
+            <a:spLocks noGrp="1"/>
+          </p:cNvSpPr>
+          <p:nvPr>
+            <p:ph idx="1"/>
+          </p:nvPr>
+        </p:nvSpPr>
+        <p:spPr/>
+        <p:txBody>
+          <a:bodyPr/>
+          <a:lstStyle/>
+          <a:p>
+            <a:r>
+              <a:rPr lang="en-US" dirty="0"/>
+              <a:t>Repositories (or repos) are what gets edited on GitHub</a:t>
+            </a:r>
+          </a:p>
+          <a:p>
+            <a:r>
+              <a:rPr lang="en-US" dirty="0"/>
+              <a:t>These are just folders locally or in the cloud</a:t>
+            </a:r>
+          </a:p>
+          <a:p>
+            <a:r>
+              <a:rPr lang="en-US" dirty="0"/>
+              <a:t>Repos can be private or public</a:t>
+            </a:r>
+          </a:p>
+          <a:p>
+            <a:r>
+              <a:rPr lang="en-US" dirty="0"/>
+              <a:t>You can use a git ignore file to keep things from being pushed</a:t>
+            </a:r>
+          </a:p>
+        </p:txBody>
+      </p:sp>
+    </p:spTree>
+    <p:extLst>
+      <p:ext uri="{BB962C8B-B14F-4D97-AF65-F5344CB8AC3E}">
+        <p14:creationId xmlns:p14="http://schemas.microsoft.com/office/powerpoint/2010/main" val="918780311"/>
+      </p:ext>
+    </p:extLst>
+  </p:cSld>
+  <p:clrMapOvr>
+    <a:masterClrMapping/>
+  </p:clrMapOvr>
+</p:sld>
+</file>
+
+<file path=ppt/slides/slide12.xml><?xml version="1.0" encoding="utf-8"?>
+<p:sld xmlns:a="http://schemas.openxmlformats.org/drawingml/2006/main" xmlns:r="http://schemas.openxmlformats.org/officeDocument/2006/relationships" xmlns:p="http://schemas.openxmlformats.org/presentationml/2006/main">
+  <p:cSld>
+    <p:spTree>
+      <p:nvGrpSpPr>
+        <p:cNvPr id="1" name=""/>
+        <p:cNvGrpSpPr/>
+        <p:nvPr/>
+      </p:nvGrpSpPr>
+      <p:grpSpPr>
+        <a:xfrm>
+          <a:off x="0" y="0"/>
+          <a:ext cx="0" cy="0"/>
+          <a:chOff x="0" y="0"/>
+          <a:chExt cx="0" cy="0"/>
+        </a:xfrm>
+      </p:grpSpPr>
+      <p:sp>
+        <p:nvSpPr>
+          <p:cNvPr id="2" name="Title 1">
+            <a:extLst>
+              <a:ext uri="{FF2B5EF4-FFF2-40B4-BE49-F238E27FC236}">
                 <a16:creationId xmlns:a16="http://schemas.microsoft.com/office/drawing/2014/main" id="{10E68F01-8BD4-DA43-A456-5DDC30924314}"/>
               </a:ext>
             </a:extLst>
@@ -3953,7 +4070,7 @@
 </p:sld>
 </file>
 
-<file path=ppt/slides/slide12.xml><?xml version="1.0" encoding="utf-8"?>
+<file path=ppt/slides/slide13.xml><?xml version="1.0" encoding="utf-8"?>
 <p:sld xmlns:a="http://schemas.openxmlformats.org/drawingml/2006/main" xmlns:r="http://schemas.openxmlformats.org/officeDocument/2006/relationships" xmlns:p="http://schemas.openxmlformats.org/presentationml/2006/main">
   <p:cSld>
     <p:spTree>
@@ -4107,183 +4224,6 @@
     <p:extLst>
       <p:ext uri="{BB962C8B-B14F-4D97-AF65-F5344CB8AC3E}">
         <p14:creationId xmlns:p14="http://schemas.microsoft.com/office/powerpoint/2010/main" val="1401105454"/>
-      </p:ext>
-    </p:extLst>
-  </p:cSld>
-  <p:clrMapOvr>
-    <a:masterClrMapping/>
-  </p:clrMapOvr>
-</p:sld>
-</file>
-
-<file path=ppt/slides/slide13.xml><?xml version="1.0" encoding="utf-8"?>
-<p:sld xmlns:a="http://schemas.openxmlformats.org/drawingml/2006/main" xmlns:r="http://schemas.openxmlformats.org/officeDocument/2006/relationships" xmlns:p="http://schemas.openxmlformats.org/presentationml/2006/main">
-  <p:cSld>
-    <p:spTree>
-      <p:nvGrpSpPr>
-        <p:cNvPr id="1" name=""/>
-        <p:cNvGrpSpPr/>
-        <p:nvPr/>
-      </p:nvGrpSpPr>
-      <p:grpSpPr>
-        <a:xfrm>
-          <a:off x="0" y="0"/>
-          <a:ext cx="0" cy="0"/>
-          <a:chOff x="0" y="0"/>
-          <a:chExt cx="0" cy="0"/>
-        </a:xfrm>
-      </p:grpSpPr>
-      <p:sp>
-        <p:nvSpPr>
-          <p:cNvPr id="2" name="Title 1">
-            <a:extLst>
-              <a:ext uri="{FF2B5EF4-FFF2-40B4-BE49-F238E27FC236}">
-                <a16:creationId xmlns:a16="http://schemas.microsoft.com/office/drawing/2014/main" id="{6EC19A30-5E96-EE41-BE32-094583F596C7}"/>
-              </a:ext>
-            </a:extLst>
-          </p:cNvPr>
-          <p:cNvSpPr>
-            <a:spLocks noGrp="1"/>
-          </p:cNvSpPr>
-          <p:nvPr>
-            <p:ph type="title"/>
-          </p:nvPr>
-        </p:nvSpPr>
-        <p:spPr/>
-        <p:txBody>
-          <a:bodyPr/>
-          <a:lstStyle/>
-          <a:p>
-            <a:r>
-              <a:rPr lang="en-US" dirty="0"/>
-              <a:t>Commit</a:t>
-            </a:r>
-          </a:p>
-        </p:txBody>
-      </p:sp>
-      <p:sp>
-        <p:nvSpPr>
-          <p:cNvPr id="3" name="Content Placeholder 2">
-            <a:extLst>
-              <a:ext uri="{FF2B5EF4-FFF2-40B4-BE49-F238E27FC236}">
-                <a16:creationId xmlns:a16="http://schemas.microsoft.com/office/drawing/2014/main" id="{7F36B31C-1821-3D4C-B9DF-41C4AF5A3E5A}"/>
-              </a:ext>
-            </a:extLst>
-          </p:cNvPr>
-          <p:cNvSpPr>
-            <a:spLocks noGrp="1"/>
-          </p:cNvSpPr>
-          <p:nvPr>
-            <p:ph idx="1"/>
-          </p:nvPr>
-        </p:nvSpPr>
-        <p:spPr/>
-        <p:txBody>
-          <a:bodyPr/>
-          <a:lstStyle/>
-          <a:p>
-            <a:r>
-              <a:rPr lang="en-US" dirty="0"/>
-              <a:t>Commit records changes to your local branch</a:t>
-            </a:r>
-          </a:p>
-          <a:p>
-            <a:r>
-              <a:rPr lang="en-US" dirty="0"/>
-              <a:t>This records your change with timestamp</a:t>
-            </a:r>
-          </a:p>
-          <a:p>
-            <a:r>
-              <a:rPr lang="en-US" dirty="0"/>
-              <a:t>It can also record why you changed it</a:t>
-            </a:r>
-          </a:p>
-          <a:p>
-            <a:r>
-              <a:rPr lang="en-US" dirty="0"/>
-              <a:t>You can tag issues or people here</a:t>
-            </a:r>
-          </a:p>
-        </p:txBody>
-      </p:sp>
-      <p:pic>
-        <p:nvPicPr>
-          <p:cNvPr id="5" name="Picture 4" descr="Whiteboard&#10;&#10;Description automatically generated with medium confidence">
-            <a:extLst>
-              <a:ext uri="{FF2B5EF4-FFF2-40B4-BE49-F238E27FC236}">
-                <a16:creationId xmlns:a16="http://schemas.microsoft.com/office/drawing/2014/main" id="{A69C255A-7FED-CB4C-9EB7-E3842E0E96BA}"/>
-              </a:ext>
-            </a:extLst>
-          </p:cNvPr>
-          <p:cNvPicPr>
-            <a:picLocks noChangeAspect="1"/>
-          </p:cNvPicPr>
-          <p:nvPr/>
-        </p:nvPicPr>
-        <p:blipFill>
-          <a:blip r:embed="rId2"/>
-          <a:stretch>
-            <a:fillRect/>
-          </a:stretch>
-        </p:blipFill>
-        <p:spPr>
-          <a:xfrm>
-            <a:off x="7083706" y="3578371"/>
-            <a:ext cx="5202778" cy="3260896"/>
-          </a:xfrm>
-          <a:prstGeom prst="rect">
-            <a:avLst/>
-          </a:prstGeom>
-        </p:spPr>
-      </p:pic>
-      <p:sp>
-        <p:nvSpPr>
-          <p:cNvPr id="6" name="TextBox 5">
-            <a:extLst>
-              <a:ext uri="{FF2B5EF4-FFF2-40B4-BE49-F238E27FC236}">
-                <a16:creationId xmlns:a16="http://schemas.microsoft.com/office/drawing/2014/main" id="{3DE5DE08-7DDD-5C47-A09B-8E1D0631CADF}"/>
-              </a:ext>
-            </a:extLst>
-          </p:cNvPr>
-          <p:cNvSpPr txBox="1"/>
-          <p:nvPr/>
-        </p:nvSpPr>
-        <p:spPr>
-          <a:xfrm>
-            <a:off x="9503030" y="6550223"/>
-            <a:ext cx="2783454" cy="307777"/>
-          </a:xfrm>
-          <a:prstGeom prst="rect">
-            <a:avLst/>
-          </a:prstGeom>
-          <a:noFill/>
-        </p:spPr>
-        <p:txBody>
-          <a:bodyPr wrap="none" rtlCol="0">
-            <a:spAutoFit/>
-          </a:bodyPr>
-          <a:lstStyle/>
-          <a:p>
-            <a:r>
-              <a:rPr lang="en-US" sz="1400" dirty="0"/>
-              <a:t>(</a:t>
-            </a:r>
-            <a:r>
-              <a:rPr lang="en-US" sz="1400" dirty="0" err="1"/>
-              <a:t>Relationshipwellbeingspecialist.nz</a:t>
-            </a:r>
-            <a:r>
-              <a:rPr lang="en-US" sz="1400" dirty="0"/>
-              <a:t>)</a:t>
-            </a:r>
-          </a:p>
-        </p:txBody>
-      </p:sp>
-    </p:spTree>
-    <p:extLst>
-      <p:ext uri="{BB962C8B-B14F-4D97-AF65-F5344CB8AC3E}">
-        <p14:creationId xmlns:p14="http://schemas.microsoft.com/office/powerpoint/2010/main" val="3152282588"/>
       </p:ext>
     </p:extLst>
   </p:cSld>
@@ -4315,6 +4255,183 @@
           <p:cNvPr id="2" name="Title 1">
             <a:extLst>
               <a:ext uri="{FF2B5EF4-FFF2-40B4-BE49-F238E27FC236}">
+                <a16:creationId xmlns:a16="http://schemas.microsoft.com/office/drawing/2014/main" id="{6EC19A30-5E96-EE41-BE32-094583F596C7}"/>
+              </a:ext>
+            </a:extLst>
+          </p:cNvPr>
+          <p:cNvSpPr>
+            <a:spLocks noGrp="1"/>
+          </p:cNvSpPr>
+          <p:nvPr>
+            <p:ph type="title"/>
+          </p:nvPr>
+        </p:nvSpPr>
+        <p:spPr/>
+        <p:txBody>
+          <a:bodyPr/>
+          <a:lstStyle/>
+          <a:p>
+            <a:r>
+              <a:rPr lang="en-US" dirty="0"/>
+              <a:t>Commit</a:t>
+            </a:r>
+          </a:p>
+        </p:txBody>
+      </p:sp>
+      <p:sp>
+        <p:nvSpPr>
+          <p:cNvPr id="3" name="Content Placeholder 2">
+            <a:extLst>
+              <a:ext uri="{FF2B5EF4-FFF2-40B4-BE49-F238E27FC236}">
+                <a16:creationId xmlns:a16="http://schemas.microsoft.com/office/drawing/2014/main" id="{7F36B31C-1821-3D4C-B9DF-41C4AF5A3E5A}"/>
+              </a:ext>
+            </a:extLst>
+          </p:cNvPr>
+          <p:cNvSpPr>
+            <a:spLocks noGrp="1"/>
+          </p:cNvSpPr>
+          <p:nvPr>
+            <p:ph idx="1"/>
+          </p:nvPr>
+        </p:nvSpPr>
+        <p:spPr/>
+        <p:txBody>
+          <a:bodyPr/>
+          <a:lstStyle/>
+          <a:p>
+            <a:r>
+              <a:rPr lang="en-US" dirty="0"/>
+              <a:t>Commit records changes to your local branch</a:t>
+            </a:r>
+          </a:p>
+          <a:p>
+            <a:r>
+              <a:rPr lang="en-US" dirty="0"/>
+              <a:t>This records your change with timestamp</a:t>
+            </a:r>
+          </a:p>
+          <a:p>
+            <a:r>
+              <a:rPr lang="en-US" dirty="0"/>
+              <a:t>It can also record why you changed it</a:t>
+            </a:r>
+          </a:p>
+          <a:p>
+            <a:r>
+              <a:rPr lang="en-US" dirty="0"/>
+              <a:t>You can tag issues or people here</a:t>
+            </a:r>
+          </a:p>
+        </p:txBody>
+      </p:sp>
+      <p:pic>
+        <p:nvPicPr>
+          <p:cNvPr id="5" name="Picture 4" descr="Whiteboard&#10;&#10;Description automatically generated with medium confidence">
+            <a:extLst>
+              <a:ext uri="{FF2B5EF4-FFF2-40B4-BE49-F238E27FC236}">
+                <a16:creationId xmlns:a16="http://schemas.microsoft.com/office/drawing/2014/main" id="{A69C255A-7FED-CB4C-9EB7-E3842E0E96BA}"/>
+              </a:ext>
+            </a:extLst>
+          </p:cNvPr>
+          <p:cNvPicPr>
+            <a:picLocks noChangeAspect="1"/>
+          </p:cNvPicPr>
+          <p:nvPr/>
+        </p:nvPicPr>
+        <p:blipFill>
+          <a:blip r:embed="rId2"/>
+          <a:stretch>
+            <a:fillRect/>
+          </a:stretch>
+        </p:blipFill>
+        <p:spPr>
+          <a:xfrm>
+            <a:off x="7083706" y="3578371"/>
+            <a:ext cx="5202778" cy="3260896"/>
+          </a:xfrm>
+          <a:prstGeom prst="rect">
+            <a:avLst/>
+          </a:prstGeom>
+        </p:spPr>
+      </p:pic>
+      <p:sp>
+        <p:nvSpPr>
+          <p:cNvPr id="6" name="TextBox 5">
+            <a:extLst>
+              <a:ext uri="{FF2B5EF4-FFF2-40B4-BE49-F238E27FC236}">
+                <a16:creationId xmlns:a16="http://schemas.microsoft.com/office/drawing/2014/main" id="{3DE5DE08-7DDD-5C47-A09B-8E1D0631CADF}"/>
+              </a:ext>
+            </a:extLst>
+          </p:cNvPr>
+          <p:cNvSpPr txBox="1"/>
+          <p:nvPr/>
+        </p:nvSpPr>
+        <p:spPr>
+          <a:xfrm>
+            <a:off x="9503030" y="6550223"/>
+            <a:ext cx="2783454" cy="307777"/>
+          </a:xfrm>
+          <a:prstGeom prst="rect">
+            <a:avLst/>
+          </a:prstGeom>
+          <a:noFill/>
+        </p:spPr>
+        <p:txBody>
+          <a:bodyPr wrap="none" rtlCol="0">
+            <a:spAutoFit/>
+          </a:bodyPr>
+          <a:lstStyle/>
+          <a:p>
+            <a:r>
+              <a:rPr lang="en-US" sz="1400" dirty="0"/>
+              <a:t>(</a:t>
+            </a:r>
+            <a:r>
+              <a:rPr lang="en-US" sz="1400" dirty="0" err="1"/>
+              <a:t>Relationshipwellbeingspecialist.nz</a:t>
+            </a:r>
+            <a:r>
+              <a:rPr lang="en-US" sz="1400" dirty="0"/>
+              <a:t>)</a:t>
+            </a:r>
+          </a:p>
+        </p:txBody>
+      </p:sp>
+    </p:spTree>
+    <p:extLst>
+      <p:ext uri="{BB962C8B-B14F-4D97-AF65-F5344CB8AC3E}">
+        <p14:creationId xmlns:p14="http://schemas.microsoft.com/office/powerpoint/2010/main" val="3152282588"/>
+      </p:ext>
+    </p:extLst>
+  </p:cSld>
+  <p:clrMapOvr>
+    <a:masterClrMapping/>
+  </p:clrMapOvr>
+</p:sld>
+</file>
+
+<file path=ppt/slides/slide15.xml><?xml version="1.0" encoding="utf-8"?>
+<p:sld xmlns:a="http://schemas.openxmlformats.org/drawingml/2006/main" xmlns:r="http://schemas.openxmlformats.org/officeDocument/2006/relationships" xmlns:p="http://schemas.openxmlformats.org/presentationml/2006/main">
+  <p:cSld>
+    <p:spTree>
+      <p:nvGrpSpPr>
+        <p:cNvPr id="1" name=""/>
+        <p:cNvGrpSpPr/>
+        <p:nvPr/>
+      </p:nvGrpSpPr>
+      <p:grpSpPr>
+        <a:xfrm>
+          <a:off x="0" y="0"/>
+          <a:ext cx="0" cy="0"/>
+          <a:chOff x="0" y="0"/>
+          <a:chExt cx="0" cy="0"/>
+        </a:xfrm>
+      </p:grpSpPr>
+      <p:sp>
+        <p:nvSpPr>
+          <p:cNvPr id="2" name="Title 1">
+            <a:extLst>
+              <a:ext uri="{FF2B5EF4-FFF2-40B4-BE49-F238E27FC236}">
                 <a16:creationId xmlns:a16="http://schemas.microsoft.com/office/drawing/2014/main" id="{FD87131E-BA8A-4D48-B430-7548D7A40221}"/>
               </a:ext>
             </a:extLst>
@@ -4394,7 +4511,108 @@
 </p:sld>
 </file>
 
-<file path=ppt/slides/slide15.xml><?xml version="1.0" encoding="utf-8"?>
+<file path=ppt/slides/slide16.xml><?xml version="1.0" encoding="utf-8"?>
+<p:sld xmlns:a="http://schemas.openxmlformats.org/drawingml/2006/main" xmlns:r="http://schemas.openxmlformats.org/officeDocument/2006/relationships" xmlns:p="http://schemas.openxmlformats.org/presentationml/2006/main">
+  <p:cSld>
+    <p:spTree>
+      <p:nvGrpSpPr>
+        <p:cNvPr id="1" name=""/>
+        <p:cNvGrpSpPr/>
+        <p:nvPr/>
+      </p:nvGrpSpPr>
+      <p:grpSpPr>
+        <a:xfrm>
+          <a:off x="0" y="0"/>
+          <a:ext cx="0" cy="0"/>
+          <a:chOff x="0" y="0"/>
+          <a:chExt cx="0" cy="0"/>
+        </a:xfrm>
+      </p:grpSpPr>
+      <p:sp>
+        <p:nvSpPr>
+          <p:cNvPr id="2" name="Title 1">
+            <a:extLst>
+              <a:ext uri="{FF2B5EF4-FFF2-40B4-BE49-F238E27FC236}">
+                <a16:creationId xmlns:a16="http://schemas.microsoft.com/office/drawing/2014/main" id="{C2928455-6061-FA43-944E-E6FACF086236}"/>
+              </a:ext>
+            </a:extLst>
+          </p:cNvPr>
+          <p:cNvSpPr>
+            <a:spLocks noGrp="1"/>
+          </p:cNvSpPr>
+          <p:nvPr>
+            <p:ph type="title"/>
+          </p:nvPr>
+        </p:nvSpPr>
+        <p:spPr/>
+        <p:txBody>
+          <a:bodyPr/>
+          <a:lstStyle/>
+          <a:p>
+            <a:r>
+              <a:rPr lang="en-US" dirty="0"/>
+              <a:t>Branches and Merging</a:t>
+            </a:r>
+          </a:p>
+        </p:txBody>
+      </p:sp>
+      <p:sp>
+        <p:nvSpPr>
+          <p:cNvPr id="3" name="Content Placeholder 2">
+            <a:extLst>
+              <a:ext uri="{FF2B5EF4-FFF2-40B4-BE49-F238E27FC236}">
+                <a16:creationId xmlns:a16="http://schemas.microsoft.com/office/drawing/2014/main" id="{05FE73FD-798C-7445-8E8B-9E5052CEFAB7}"/>
+              </a:ext>
+            </a:extLst>
+          </p:cNvPr>
+          <p:cNvSpPr>
+            <a:spLocks noGrp="1"/>
+          </p:cNvSpPr>
+          <p:nvPr>
+            <p:ph idx="1"/>
+          </p:nvPr>
+        </p:nvSpPr>
+        <p:spPr/>
+        <p:txBody>
+          <a:bodyPr/>
+          <a:lstStyle/>
+          <a:p>
+            <a:r>
+              <a:rPr lang="en-US" dirty="0"/>
+              <a:t>A branch allows you to make changes in isolation</a:t>
+            </a:r>
+          </a:p>
+          <a:p>
+            <a:r>
+              <a:rPr lang="en-US" dirty="0"/>
+              <a:t>You can then merge that branch with the main one</a:t>
+            </a:r>
+          </a:p>
+          <a:p>
+            <a:r>
+              <a:rPr lang="en-US" dirty="0"/>
+              <a:t>This is good when working on a side project and you want to work first, and then discus keeping it with someone down the line</a:t>
+            </a:r>
+          </a:p>
+          <a:p>
+            <a:endParaRPr lang="en-US" dirty="0"/>
+          </a:p>
+        </p:txBody>
+      </p:sp>
+    </p:spTree>
+    <p:extLst>
+      <p:ext uri="{BB962C8B-B14F-4D97-AF65-F5344CB8AC3E}">
+        <p14:creationId xmlns:p14="http://schemas.microsoft.com/office/powerpoint/2010/main" val="2284292567"/>
+      </p:ext>
+    </p:extLst>
+  </p:cSld>
+  <p:clrMapOvr>
+    <a:masterClrMapping/>
+  </p:clrMapOvr>
+</p:sld>
+</file>
+
+<file path=ppt/slides/slide17.xml><?xml version="1.0" encoding="utf-8"?>
 <p:sld xmlns:a="http://schemas.openxmlformats.org/drawingml/2006/main" xmlns:r="http://schemas.openxmlformats.org/officeDocument/2006/relationships" xmlns:p="http://schemas.openxmlformats.org/presentationml/2006/main">
   <p:cSld>
     <p:spTree>
@@ -4571,7 +4789,7 @@
 </p:sld>
 </file>
 
-<file path=ppt/slides/slide16.xml><?xml version="1.0" encoding="utf-8"?>
+<file path=ppt/slides/slide18.xml><?xml version="1.0" encoding="utf-8"?>
 <p:sld xmlns:a="http://schemas.openxmlformats.org/drawingml/2006/main" xmlns:r="http://schemas.openxmlformats.org/officeDocument/2006/relationships" xmlns:p="http://schemas.openxmlformats.org/presentationml/2006/main">
   <p:cSld>
     <p:spTree>
@@ -4639,19 +4857,208 @@
           <a:p>
             <a:r>
               <a:rPr lang="en-US" dirty="0"/>
-              <a:t>GitHub is less useful </a:t>
-            </a:r>
-            <a:r>
-              <a:rPr lang="en-US"/>
-              <a:t>with binary file types</a:t>
-            </a:r>
-          </a:p>
-        </p:txBody>
-      </p:sp>
+              <a:t>GitHub is less informative with binary file types</a:t>
+            </a:r>
+          </a:p>
+        </p:txBody>
+      </p:sp>
+      <p:pic>
+        <p:nvPicPr>
+          <p:cNvPr id="5" name="Picture 4" descr="Graphical user interface, text, application&#10;&#10;Description automatically generated">
+            <a:extLst>
+              <a:ext uri="{FF2B5EF4-FFF2-40B4-BE49-F238E27FC236}">
+                <a16:creationId xmlns:a16="http://schemas.microsoft.com/office/drawing/2014/main" id="{6CB0A88C-AB8F-DD4C-B3C2-00ADE65CC385}"/>
+              </a:ext>
+            </a:extLst>
+          </p:cNvPr>
+          <p:cNvPicPr>
+            <a:picLocks noChangeAspect="1"/>
+          </p:cNvPicPr>
+          <p:nvPr/>
+        </p:nvPicPr>
+        <p:blipFill>
+          <a:blip r:embed="rId2"/>
+          <a:stretch>
+            <a:fillRect/>
+          </a:stretch>
+        </p:blipFill>
+        <p:spPr>
+          <a:xfrm>
+            <a:off x="3051646" y="4888054"/>
+            <a:ext cx="6088708" cy="1987937"/>
+          </a:xfrm>
+          <a:prstGeom prst="rect">
+            <a:avLst/>
+          </a:prstGeom>
+        </p:spPr>
+      </p:pic>
+      <p:pic>
+        <p:nvPicPr>
+          <p:cNvPr id="7" name="Picture 6" descr="Background pattern&#10;&#10;Description automatically generated">
+            <a:extLst>
+              <a:ext uri="{FF2B5EF4-FFF2-40B4-BE49-F238E27FC236}">
+                <a16:creationId xmlns:a16="http://schemas.microsoft.com/office/drawing/2014/main" id="{950C8DDF-B657-5645-91D7-D6A385B727CD}"/>
+              </a:ext>
+            </a:extLst>
+          </p:cNvPr>
+          <p:cNvPicPr>
+            <a:picLocks noChangeAspect="1"/>
+          </p:cNvPicPr>
+          <p:nvPr/>
+        </p:nvPicPr>
+        <p:blipFill>
+          <a:blip r:embed="rId3"/>
+          <a:stretch>
+            <a:fillRect/>
+          </a:stretch>
+        </p:blipFill>
+        <p:spPr>
+          <a:xfrm>
+            <a:off x="1631950" y="3136098"/>
+            <a:ext cx="8928100" cy="1778000"/>
+          </a:xfrm>
+          <a:prstGeom prst="rect">
+            <a:avLst/>
+          </a:prstGeom>
+        </p:spPr>
+      </p:pic>
     </p:spTree>
     <p:extLst>
       <p:ext uri="{BB962C8B-B14F-4D97-AF65-F5344CB8AC3E}">
         <p14:creationId xmlns:p14="http://schemas.microsoft.com/office/powerpoint/2010/main" val="3565699373"/>
+      </p:ext>
+    </p:extLst>
+  </p:cSld>
+  <p:clrMapOvr>
+    <a:masterClrMapping/>
+  </p:clrMapOvr>
+</p:sld>
+</file>
+
+<file path=ppt/slides/slide19.xml><?xml version="1.0" encoding="utf-8"?>
+<p:sld xmlns:a="http://schemas.openxmlformats.org/drawingml/2006/main" xmlns:r="http://schemas.openxmlformats.org/officeDocument/2006/relationships" xmlns:p="http://schemas.openxmlformats.org/presentationml/2006/main">
+  <p:cSld>
+    <p:spTree>
+      <p:nvGrpSpPr>
+        <p:cNvPr id="1" name=""/>
+        <p:cNvGrpSpPr/>
+        <p:nvPr/>
+      </p:nvGrpSpPr>
+      <p:grpSpPr>
+        <a:xfrm>
+          <a:off x="0" y="0"/>
+          <a:ext cx="0" cy="0"/>
+          <a:chOff x="0" y="0"/>
+          <a:chExt cx="0" cy="0"/>
+        </a:xfrm>
+      </p:grpSpPr>
+      <p:sp>
+        <p:nvSpPr>
+          <p:cNvPr id="2" name="Title 1">
+            <a:extLst>
+              <a:ext uri="{FF2B5EF4-FFF2-40B4-BE49-F238E27FC236}">
+                <a16:creationId xmlns:a16="http://schemas.microsoft.com/office/drawing/2014/main" id="{96FC2B28-839F-814A-B91E-8F234C76140E}"/>
+              </a:ext>
+            </a:extLst>
+          </p:cNvPr>
+          <p:cNvSpPr>
+            <a:spLocks noGrp="1"/>
+          </p:cNvSpPr>
+          <p:nvPr>
+            <p:ph type="title"/>
+          </p:nvPr>
+        </p:nvSpPr>
+        <p:spPr/>
+        <p:txBody>
+          <a:bodyPr/>
+          <a:lstStyle/>
+          <a:p>
+            <a:r>
+              <a:rPr lang="en-US" dirty="0"/>
+              <a:t>File types</a:t>
+            </a:r>
+          </a:p>
+        </p:txBody>
+      </p:sp>
+      <p:sp>
+        <p:nvSpPr>
+          <p:cNvPr id="3" name="Content Placeholder 2">
+            <a:extLst>
+              <a:ext uri="{FF2B5EF4-FFF2-40B4-BE49-F238E27FC236}">
+                <a16:creationId xmlns:a16="http://schemas.microsoft.com/office/drawing/2014/main" id="{51DF7FA2-6797-C649-9D1B-5113894D94E2}"/>
+              </a:ext>
+            </a:extLst>
+          </p:cNvPr>
+          <p:cNvSpPr>
+            <a:spLocks noGrp="1"/>
+          </p:cNvSpPr>
+          <p:nvPr>
+            <p:ph idx="1"/>
+          </p:nvPr>
+        </p:nvSpPr>
+        <p:spPr/>
+        <p:txBody>
+          <a:bodyPr/>
+          <a:lstStyle/>
+          <a:p>
+            <a:r>
+              <a:rPr lang="en-US" dirty="0"/>
+              <a:t>This means binary files struggle when dealing with conflicts</a:t>
+            </a:r>
+          </a:p>
+          <a:p>
+            <a:r>
+              <a:rPr lang="en-US" dirty="0"/>
+              <a:t>So csv, txt, </a:t>
+            </a:r>
+            <a:r>
+              <a:rPr lang="en-US" dirty="0" err="1"/>
+              <a:t>etc</a:t>
+            </a:r>
+            <a:r>
+              <a:rPr lang="en-US" dirty="0"/>
+              <a:t> will be easier than ppt, xlsx </a:t>
+            </a:r>
+            <a:r>
+              <a:rPr lang="en-US" dirty="0" err="1"/>
+              <a:t>etc</a:t>
+            </a:r>
+            <a:endParaRPr lang="en-US" dirty="0"/>
+          </a:p>
+          <a:p>
+            <a:r>
+              <a:rPr lang="en-US" dirty="0"/>
+              <a:t>Likewise </a:t>
+            </a:r>
+            <a:r>
+              <a:rPr lang="en-US" dirty="0" err="1"/>
+              <a:t>tex</a:t>
+            </a:r>
+            <a:r>
+              <a:rPr lang="en-US" dirty="0"/>
+              <a:t>, md, </a:t>
+            </a:r>
+            <a:r>
+              <a:rPr lang="en-US" dirty="0" err="1"/>
+              <a:t>Rmd</a:t>
+            </a:r>
+            <a:r>
+              <a:rPr lang="en-US" dirty="0"/>
+              <a:t> will work better than docx</a:t>
+            </a:r>
+          </a:p>
+          <a:p>
+            <a:r>
+              <a:rPr lang="en-US" dirty="0"/>
+              <a:t>But you *can* still use whatever files you are used to</a:t>
+            </a:r>
+          </a:p>
+        </p:txBody>
+      </p:sp>
+    </p:spTree>
+    <p:extLst>
+      <p:ext uri="{BB962C8B-B14F-4D97-AF65-F5344CB8AC3E}">
+        <p14:creationId xmlns:p14="http://schemas.microsoft.com/office/powerpoint/2010/main" val="2049510257"/>
       </p:ext>
     </p:extLst>
   </p:cSld>
@@ -4999,6 +5406,1453 @@
     <p:extLst>
       <p:ext uri="{BB962C8B-B14F-4D97-AF65-F5344CB8AC3E}">
         <p14:creationId xmlns:p14="http://schemas.microsoft.com/office/powerpoint/2010/main" val="65958092"/>
+      </p:ext>
+    </p:extLst>
+  </p:cSld>
+  <p:clrMapOvr>
+    <a:masterClrMapping/>
+  </p:clrMapOvr>
+</p:sld>
+</file>
+
+<file path=ppt/slides/slide20.xml><?xml version="1.0" encoding="utf-8"?>
+<p:sld xmlns:a="http://schemas.openxmlformats.org/drawingml/2006/main" xmlns:r="http://schemas.openxmlformats.org/officeDocument/2006/relationships" xmlns:p="http://schemas.openxmlformats.org/presentationml/2006/main">
+  <p:cSld>
+    <p:spTree>
+      <p:nvGrpSpPr>
+        <p:cNvPr id="1" name=""/>
+        <p:cNvGrpSpPr/>
+        <p:nvPr/>
+      </p:nvGrpSpPr>
+      <p:grpSpPr>
+        <a:xfrm>
+          <a:off x="0" y="0"/>
+          <a:ext cx="0" cy="0"/>
+          <a:chOff x="0" y="0"/>
+          <a:chExt cx="0" cy="0"/>
+        </a:xfrm>
+      </p:grpSpPr>
+      <p:sp>
+        <p:nvSpPr>
+          <p:cNvPr id="2" name="Title 1">
+            <a:extLst>
+              <a:ext uri="{FF2B5EF4-FFF2-40B4-BE49-F238E27FC236}">
+                <a16:creationId xmlns:a16="http://schemas.microsoft.com/office/drawing/2014/main" id="{790B821F-AB67-9A43-88C7-44456B959D7F}"/>
+              </a:ext>
+            </a:extLst>
+          </p:cNvPr>
+          <p:cNvSpPr>
+            <a:spLocks noGrp="1"/>
+          </p:cNvSpPr>
+          <p:nvPr>
+            <p:ph type="title"/>
+          </p:nvPr>
+        </p:nvSpPr>
+        <p:spPr/>
+        <p:txBody>
+          <a:bodyPr/>
+          <a:lstStyle/>
+          <a:p>
+            <a:r>
+              <a:rPr lang="en-US" dirty="0"/>
+              <a:t>Collaborating</a:t>
+            </a:r>
+          </a:p>
+        </p:txBody>
+      </p:sp>
+      <p:pic>
+        <p:nvPicPr>
+          <p:cNvPr id="5" name="Content Placeholder 4" descr="Graphical user interface, application&#10;&#10;Description automatically generated">
+            <a:extLst>
+              <a:ext uri="{FF2B5EF4-FFF2-40B4-BE49-F238E27FC236}">
+                <a16:creationId xmlns:a16="http://schemas.microsoft.com/office/drawing/2014/main" id="{CB427528-F327-2249-B499-22CA2E4BC25D}"/>
+              </a:ext>
+            </a:extLst>
+          </p:cNvPr>
+          <p:cNvPicPr>
+            <a:picLocks noGrp="1" noChangeAspect="1"/>
+          </p:cNvPicPr>
+          <p:nvPr>
+            <p:ph idx="1"/>
+          </p:nvPr>
+        </p:nvPicPr>
+        <p:blipFill>
+          <a:blip r:embed="rId2"/>
+          <a:stretch>
+            <a:fillRect/>
+          </a:stretch>
+        </p:blipFill>
+        <p:spPr>
+          <a:xfrm>
+            <a:off x="5829300" y="2302448"/>
+            <a:ext cx="5524500" cy="3517900"/>
+          </a:xfrm>
+        </p:spPr>
+      </p:pic>
+      <p:sp>
+        <p:nvSpPr>
+          <p:cNvPr id="6" name="Content Placeholder 2">
+            <a:extLst>
+              <a:ext uri="{FF2B5EF4-FFF2-40B4-BE49-F238E27FC236}">
+                <a16:creationId xmlns:a16="http://schemas.microsoft.com/office/drawing/2014/main" id="{E704FC27-B717-1146-8622-28F8CEB821F7}"/>
+              </a:ext>
+            </a:extLst>
+          </p:cNvPr>
+          <p:cNvSpPr txBox="1">
+            <a:spLocks/>
+          </p:cNvSpPr>
+          <p:nvPr/>
+        </p:nvSpPr>
+        <p:spPr>
+          <a:xfrm>
+            <a:off x="838200" y="2487929"/>
+            <a:ext cx="10515600" cy="4351338"/>
+          </a:xfrm>
+          <a:prstGeom prst="rect">
+            <a:avLst/>
+          </a:prstGeom>
+        </p:spPr>
+        <p:txBody>
+          <a:bodyPr vert="horz" lIns="91440" tIns="45720" rIns="91440" bIns="45720" rtlCol="0">
+            <a:normAutofit/>
+          </a:bodyPr>
+          <a:lstStyle>
+            <a:lvl1pPr marL="228600" indent="-228600" algn="l" defTabSz="914400" rtl="0" eaLnBrk="1" latinLnBrk="0" hangingPunct="1">
+              <a:lnSpc>
+                <a:spcPct val="90000"/>
+              </a:lnSpc>
+              <a:spcBef>
+                <a:spcPts val="1000"/>
+              </a:spcBef>
+              <a:spcAft>
+                <a:spcPts val="600"/>
+              </a:spcAft>
+              <a:buFont typeface="Arial" panose="020B0604020202020204" pitchFamily="34" charset="0"/>
+              <a:buChar char="•"/>
+              <a:defRPr sz="2800" kern="1200">
+                <a:solidFill>
+                  <a:schemeClr val="tx1"/>
+                </a:solidFill>
+                <a:latin typeface="Garamond" panose="02020404030301010803" pitchFamily="18" charset="0"/>
+                <a:ea typeface="+mn-ea"/>
+                <a:cs typeface="+mn-cs"/>
+              </a:defRPr>
+            </a:lvl1pPr>
+            <a:lvl2pPr marL="685800" indent="-228600" algn="l" defTabSz="914400" rtl="0" eaLnBrk="1" latinLnBrk="0" hangingPunct="1">
+              <a:lnSpc>
+                <a:spcPct val="90000"/>
+              </a:lnSpc>
+              <a:spcBef>
+                <a:spcPts val="500"/>
+              </a:spcBef>
+              <a:spcAft>
+                <a:spcPts val="600"/>
+              </a:spcAft>
+              <a:buFont typeface="Arial" panose="020B0604020202020204" pitchFamily="34" charset="0"/>
+              <a:buChar char="•"/>
+              <a:defRPr sz="2400" kern="1200">
+                <a:solidFill>
+                  <a:schemeClr val="tx1"/>
+                </a:solidFill>
+                <a:latin typeface="Garamond" panose="02020404030301010803" pitchFamily="18" charset="0"/>
+                <a:ea typeface="+mn-ea"/>
+                <a:cs typeface="+mn-cs"/>
+              </a:defRPr>
+            </a:lvl2pPr>
+            <a:lvl3pPr marL="1143000" indent="-228600" algn="l" defTabSz="914400" rtl="0" eaLnBrk="1" latinLnBrk="0" hangingPunct="1">
+              <a:lnSpc>
+                <a:spcPct val="90000"/>
+              </a:lnSpc>
+              <a:spcBef>
+                <a:spcPts val="500"/>
+              </a:spcBef>
+              <a:spcAft>
+                <a:spcPts val="600"/>
+              </a:spcAft>
+              <a:buFont typeface="Arial" panose="020B0604020202020204" pitchFamily="34" charset="0"/>
+              <a:buChar char="•"/>
+              <a:defRPr sz="2000" kern="1200">
+                <a:solidFill>
+                  <a:schemeClr val="tx1"/>
+                </a:solidFill>
+                <a:latin typeface="Garamond" panose="02020404030301010803" pitchFamily="18" charset="0"/>
+                <a:ea typeface="+mn-ea"/>
+                <a:cs typeface="+mn-cs"/>
+              </a:defRPr>
+            </a:lvl3pPr>
+            <a:lvl4pPr marL="1600200" indent="-228600" algn="l" defTabSz="914400" rtl="0" eaLnBrk="1" latinLnBrk="0" hangingPunct="1">
+              <a:lnSpc>
+                <a:spcPct val="90000"/>
+              </a:lnSpc>
+              <a:spcBef>
+                <a:spcPts val="500"/>
+              </a:spcBef>
+              <a:spcAft>
+                <a:spcPts val="600"/>
+              </a:spcAft>
+              <a:buFont typeface="Arial" panose="020B0604020202020204" pitchFamily="34" charset="0"/>
+              <a:buChar char="•"/>
+              <a:defRPr sz="1800" kern="1200">
+                <a:solidFill>
+                  <a:schemeClr val="tx1"/>
+                </a:solidFill>
+                <a:latin typeface="Garamond" panose="02020404030301010803" pitchFamily="18" charset="0"/>
+                <a:ea typeface="+mn-ea"/>
+                <a:cs typeface="+mn-cs"/>
+              </a:defRPr>
+            </a:lvl4pPr>
+            <a:lvl5pPr marL="2057400" indent="-228600" algn="l" defTabSz="914400" rtl="0" eaLnBrk="1" latinLnBrk="0" hangingPunct="1">
+              <a:lnSpc>
+                <a:spcPct val="90000"/>
+              </a:lnSpc>
+              <a:spcBef>
+                <a:spcPts val="500"/>
+              </a:spcBef>
+              <a:spcAft>
+                <a:spcPts val="600"/>
+              </a:spcAft>
+              <a:buFont typeface="Arial" panose="020B0604020202020204" pitchFamily="34" charset="0"/>
+              <a:buChar char="•"/>
+              <a:defRPr sz="1800" kern="1200">
+                <a:solidFill>
+                  <a:schemeClr val="tx1"/>
+                </a:solidFill>
+                <a:latin typeface="Garamond" panose="02020404030301010803" pitchFamily="18" charset="0"/>
+                <a:ea typeface="+mn-ea"/>
+                <a:cs typeface="+mn-cs"/>
+              </a:defRPr>
+            </a:lvl5pPr>
+            <a:lvl6pPr marL="2514600" indent="-228600" algn="l" defTabSz="914400" rtl="0" eaLnBrk="1" latinLnBrk="0" hangingPunct="1">
+              <a:lnSpc>
+                <a:spcPct val="90000"/>
+              </a:lnSpc>
+              <a:spcBef>
+                <a:spcPts val="500"/>
+              </a:spcBef>
+              <a:buFont typeface="Arial" panose="020B0604020202020204" pitchFamily="34" charset="0"/>
+              <a:buChar char="•"/>
+              <a:defRPr sz="1800" kern="1200">
+                <a:solidFill>
+                  <a:schemeClr val="tx1"/>
+                </a:solidFill>
+                <a:latin typeface="+mn-lt"/>
+                <a:ea typeface="+mn-ea"/>
+                <a:cs typeface="+mn-cs"/>
+              </a:defRPr>
+            </a:lvl6pPr>
+            <a:lvl7pPr marL="2971800" indent="-228600" algn="l" defTabSz="914400" rtl="0" eaLnBrk="1" latinLnBrk="0" hangingPunct="1">
+              <a:lnSpc>
+                <a:spcPct val="90000"/>
+              </a:lnSpc>
+              <a:spcBef>
+                <a:spcPts val="500"/>
+              </a:spcBef>
+              <a:buFont typeface="Arial" panose="020B0604020202020204" pitchFamily="34" charset="0"/>
+              <a:buChar char="•"/>
+              <a:defRPr sz="1800" kern="1200">
+                <a:solidFill>
+                  <a:schemeClr val="tx1"/>
+                </a:solidFill>
+                <a:latin typeface="+mn-lt"/>
+                <a:ea typeface="+mn-ea"/>
+                <a:cs typeface="+mn-cs"/>
+              </a:defRPr>
+            </a:lvl7pPr>
+            <a:lvl8pPr marL="3429000" indent="-228600" algn="l" defTabSz="914400" rtl="0" eaLnBrk="1" latinLnBrk="0" hangingPunct="1">
+              <a:lnSpc>
+                <a:spcPct val="90000"/>
+              </a:lnSpc>
+              <a:spcBef>
+                <a:spcPts val="500"/>
+              </a:spcBef>
+              <a:buFont typeface="Arial" panose="020B0604020202020204" pitchFamily="34" charset="0"/>
+              <a:buChar char="•"/>
+              <a:defRPr sz="1800" kern="1200">
+                <a:solidFill>
+                  <a:schemeClr val="tx1"/>
+                </a:solidFill>
+                <a:latin typeface="+mn-lt"/>
+                <a:ea typeface="+mn-ea"/>
+                <a:cs typeface="+mn-cs"/>
+              </a:defRPr>
+            </a:lvl8pPr>
+            <a:lvl9pPr marL="3886200" indent="-228600" algn="l" defTabSz="914400" rtl="0" eaLnBrk="1" latinLnBrk="0" hangingPunct="1">
+              <a:lnSpc>
+                <a:spcPct val="90000"/>
+              </a:lnSpc>
+              <a:spcBef>
+                <a:spcPts val="500"/>
+              </a:spcBef>
+              <a:buFont typeface="Arial" panose="020B0604020202020204" pitchFamily="34" charset="0"/>
+              <a:buChar char="•"/>
+              <a:defRPr sz="1800" kern="1200">
+                <a:solidFill>
+                  <a:schemeClr val="tx1"/>
+                </a:solidFill>
+                <a:latin typeface="+mn-lt"/>
+                <a:ea typeface="+mn-ea"/>
+                <a:cs typeface="+mn-cs"/>
+              </a:defRPr>
+            </a:lvl9pPr>
+          </a:lstStyle>
+          <a:p>
+            <a:r>
+              <a:rPr lang="en-US" dirty="0"/>
+              <a:t>You can add collaborators</a:t>
+            </a:r>
+          </a:p>
+          <a:p>
+            <a:r>
+              <a:rPr lang="en-US" dirty="0"/>
+              <a:t>This means they can access files</a:t>
+            </a:r>
+          </a:p>
+          <a:p>
+            <a:r>
+              <a:rPr lang="en-US" dirty="0"/>
+              <a:t>They can also make changes</a:t>
+            </a:r>
+          </a:p>
+        </p:txBody>
+      </p:sp>
+    </p:spTree>
+    <p:extLst>
+      <p:ext uri="{BB962C8B-B14F-4D97-AF65-F5344CB8AC3E}">
+        <p14:creationId xmlns:p14="http://schemas.microsoft.com/office/powerpoint/2010/main" val="3498364730"/>
+      </p:ext>
+    </p:extLst>
+  </p:cSld>
+  <p:clrMapOvr>
+    <a:masterClrMapping/>
+  </p:clrMapOvr>
+</p:sld>
+</file>
+
+<file path=ppt/slides/slide21.xml><?xml version="1.0" encoding="utf-8"?>
+<p:sld xmlns:a="http://schemas.openxmlformats.org/drawingml/2006/main" xmlns:r="http://schemas.openxmlformats.org/officeDocument/2006/relationships" xmlns:p="http://schemas.openxmlformats.org/presentationml/2006/main">
+  <p:cSld>
+    <p:spTree>
+      <p:nvGrpSpPr>
+        <p:cNvPr id="1" name=""/>
+        <p:cNvGrpSpPr/>
+        <p:nvPr/>
+      </p:nvGrpSpPr>
+      <p:grpSpPr>
+        <a:xfrm>
+          <a:off x="0" y="0"/>
+          <a:ext cx="0" cy="0"/>
+          <a:chOff x="0" y="0"/>
+          <a:chExt cx="0" cy="0"/>
+        </a:xfrm>
+      </p:grpSpPr>
+      <p:sp>
+        <p:nvSpPr>
+          <p:cNvPr id="2" name="Title 1">
+            <a:extLst>
+              <a:ext uri="{FF2B5EF4-FFF2-40B4-BE49-F238E27FC236}">
+                <a16:creationId xmlns:a16="http://schemas.microsoft.com/office/drawing/2014/main" id="{36D40F1F-E5CC-2D4D-B314-2249CD77F27F}"/>
+              </a:ext>
+            </a:extLst>
+          </p:cNvPr>
+          <p:cNvSpPr>
+            <a:spLocks noGrp="1"/>
+          </p:cNvSpPr>
+          <p:nvPr>
+            <p:ph type="title"/>
+          </p:nvPr>
+        </p:nvSpPr>
+        <p:spPr/>
+        <p:txBody>
+          <a:bodyPr/>
+          <a:lstStyle/>
+          <a:p>
+            <a:r>
+              <a:rPr lang="en-US" dirty="0"/>
+              <a:t>Forking</a:t>
+            </a:r>
+          </a:p>
+        </p:txBody>
+      </p:sp>
+      <p:sp>
+        <p:nvSpPr>
+          <p:cNvPr id="3" name="Content Placeholder 2">
+            <a:extLst>
+              <a:ext uri="{FF2B5EF4-FFF2-40B4-BE49-F238E27FC236}">
+                <a16:creationId xmlns:a16="http://schemas.microsoft.com/office/drawing/2014/main" id="{AB0BDB22-508D-6447-9430-C5F99150905B}"/>
+              </a:ext>
+            </a:extLst>
+          </p:cNvPr>
+          <p:cNvSpPr>
+            <a:spLocks noGrp="1"/>
+          </p:cNvSpPr>
+          <p:nvPr>
+            <p:ph idx="1"/>
+          </p:nvPr>
+        </p:nvSpPr>
+        <p:spPr/>
+        <p:txBody>
+          <a:bodyPr/>
+          <a:lstStyle/>
+          <a:p>
+            <a:r>
+              <a:rPr lang="en-US" dirty="0"/>
+              <a:t>Another way of collaborating is to fork a repository</a:t>
+            </a:r>
+          </a:p>
+          <a:p>
+            <a:r>
+              <a:rPr lang="en-US" dirty="0"/>
+              <a:t>You then have your own local copy, but not rights to edit the original</a:t>
+            </a:r>
+          </a:p>
+          <a:p>
+            <a:r>
+              <a:rPr lang="en-US" dirty="0"/>
+              <a:t>But you can submit changes with a pull request</a:t>
+            </a:r>
+          </a:p>
+          <a:p>
+            <a:r>
+              <a:rPr lang="en-US" dirty="0"/>
+              <a:t>This is good if you notice a bug or similar</a:t>
+            </a:r>
+          </a:p>
+        </p:txBody>
+      </p:sp>
+      <p:pic>
+        <p:nvPicPr>
+          <p:cNvPr id="5" name="Picture 4" descr="A person and person sitting on a couch holding a sign&#10;&#10;Description automatically generated with medium confidence">
+            <a:extLst>
+              <a:ext uri="{FF2B5EF4-FFF2-40B4-BE49-F238E27FC236}">
+                <a16:creationId xmlns:a16="http://schemas.microsoft.com/office/drawing/2014/main" id="{137BBFEE-FB6E-8842-A52A-E5BD2C24D6AB}"/>
+              </a:ext>
+            </a:extLst>
+          </p:cNvPr>
+          <p:cNvPicPr>
+            <a:picLocks noChangeAspect="1"/>
+          </p:cNvPicPr>
+          <p:nvPr/>
+        </p:nvPicPr>
+        <p:blipFill>
+          <a:blip r:embed="rId2"/>
+          <a:stretch>
+            <a:fillRect/>
+          </a:stretch>
+        </p:blipFill>
+        <p:spPr>
+          <a:xfrm>
+            <a:off x="8131054" y="3576577"/>
+            <a:ext cx="3262690" cy="3262690"/>
+          </a:xfrm>
+          <a:prstGeom prst="rect">
+            <a:avLst/>
+          </a:prstGeom>
+        </p:spPr>
+      </p:pic>
+      <p:sp>
+        <p:nvSpPr>
+          <p:cNvPr id="6" name="TextBox 5">
+            <a:extLst>
+              <a:ext uri="{FF2B5EF4-FFF2-40B4-BE49-F238E27FC236}">
+                <a16:creationId xmlns:a16="http://schemas.microsoft.com/office/drawing/2014/main" id="{344C52B2-3D0F-0C48-BB40-FEE974801F86}"/>
+              </a:ext>
+            </a:extLst>
+          </p:cNvPr>
+          <p:cNvSpPr txBox="1"/>
+          <p:nvPr/>
+        </p:nvSpPr>
+        <p:spPr>
+          <a:xfrm>
+            <a:off x="10407303" y="6503927"/>
+            <a:ext cx="1626151" cy="307777"/>
+          </a:xfrm>
+          <a:prstGeom prst="rect">
+            <a:avLst/>
+          </a:prstGeom>
+          <a:noFill/>
+        </p:spPr>
+        <p:txBody>
+          <a:bodyPr wrap="none" rtlCol="0">
+            <a:spAutoFit/>
+          </a:bodyPr>
+          <a:lstStyle/>
+          <a:p>
+            <a:r>
+              <a:rPr lang="en-US" sz="1400" dirty="0"/>
+              <a:t>The good place wiki</a:t>
+            </a:r>
+          </a:p>
+        </p:txBody>
+      </p:sp>
+    </p:spTree>
+    <p:extLst>
+      <p:ext uri="{BB962C8B-B14F-4D97-AF65-F5344CB8AC3E}">
+        <p14:creationId xmlns:p14="http://schemas.microsoft.com/office/powerpoint/2010/main" val="734345560"/>
+      </p:ext>
+    </p:extLst>
+  </p:cSld>
+  <p:clrMapOvr>
+    <a:masterClrMapping/>
+  </p:clrMapOvr>
+</p:sld>
+</file>
+
+<file path=ppt/slides/slide22.xml><?xml version="1.0" encoding="utf-8"?>
+<p:sld xmlns:a="http://schemas.openxmlformats.org/drawingml/2006/main" xmlns:r="http://schemas.openxmlformats.org/officeDocument/2006/relationships" xmlns:p="http://schemas.openxmlformats.org/presentationml/2006/main">
+  <p:cSld>
+    <p:spTree>
+      <p:nvGrpSpPr>
+        <p:cNvPr id="1" name=""/>
+        <p:cNvGrpSpPr/>
+        <p:nvPr/>
+      </p:nvGrpSpPr>
+      <p:grpSpPr>
+        <a:xfrm>
+          <a:off x="0" y="0"/>
+          <a:ext cx="0" cy="0"/>
+          <a:chOff x="0" y="0"/>
+          <a:chExt cx="0" cy="0"/>
+        </a:xfrm>
+      </p:grpSpPr>
+      <p:sp>
+        <p:nvSpPr>
+          <p:cNvPr id="2" name="Title 1">
+            <a:extLst>
+              <a:ext uri="{FF2B5EF4-FFF2-40B4-BE49-F238E27FC236}">
+                <a16:creationId xmlns:a16="http://schemas.microsoft.com/office/drawing/2014/main" id="{933B8529-60DF-DA41-BEBB-5BFECC0F7819}"/>
+              </a:ext>
+            </a:extLst>
+          </p:cNvPr>
+          <p:cNvSpPr>
+            <a:spLocks noGrp="1"/>
+          </p:cNvSpPr>
+          <p:nvPr>
+            <p:ph type="title"/>
+          </p:nvPr>
+        </p:nvSpPr>
+        <p:spPr/>
+        <p:txBody>
+          <a:bodyPr/>
+          <a:lstStyle/>
+          <a:p>
+            <a:r>
+              <a:rPr lang="en-US" dirty="0"/>
+              <a:t>Issues</a:t>
+            </a:r>
+          </a:p>
+        </p:txBody>
+      </p:sp>
+      <p:sp>
+        <p:nvSpPr>
+          <p:cNvPr id="3" name="Content Placeholder 2">
+            <a:extLst>
+              <a:ext uri="{FF2B5EF4-FFF2-40B4-BE49-F238E27FC236}">
+                <a16:creationId xmlns:a16="http://schemas.microsoft.com/office/drawing/2014/main" id="{003FF2D7-156B-0845-B50E-335B6E5BDA2E}"/>
+              </a:ext>
+            </a:extLst>
+          </p:cNvPr>
+          <p:cNvSpPr>
+            <a:spLocks noGrp="1"/>
+          </p:cNvSpPr>
+          <p:nvPr>
+            <p:ph idx="1"/>
+          </p:nvPr>
+        </p:nvSpPr>
+        <p:spPr>
+          <a:xfrm>
+            <a:off x="838200" y="2487929"/>
+            <a:ext cx="6002438" cy="4351338"/>
+          </a:xfrm>
+        </p:spPr>
+        <p:txBody>
+          <a:bodyPr/>
+          <a:lstStyle/>
+          <a:p>
+            <a:r>
+              <a:rPr lang="en-US" dirty="0"/>
+              <a:t>The GitHub website has an issue tracker</a:t>
+            </a:r>
+          </a:p>
+          <a:p>
+            <a:r>
+              <a:rPr lang="en-US" dirty="0"/>
+              <a:t>You can create an issue </a:t>
+            </a:r>
+          </a:p>
+          <a:p>
+            <a:r>
+              <a:rPr lang="en-US" dirty="0"/>
+              <a:t>You can add </a:t>
+            </a:r>
+            <a:r>
+              <a:rPr lang="en-US" dirty="0" err="1"/>
+              <a:t>tickboxes</a:t>
+            </a:r>
+            <a:r>
+              <a:rPr lang="en-US" dirty="0"/>
+              <a:t> </a:t>
+            </a:r>
+            <a:r>
+              <a:rPr lang="en-US" dirty="0" err="1"/>
+              <a:t>etc</a:t>
+            </a:r>
+            <a:r>
+              <a:rPr lang="en-US" dirty="0"/>
+              <a:t> to track progress</a:t>
+            </a:r>
+          </a:p>
+        </p:txBody>
+      </p:sp>
+      <p:pic>
+        <p:nvPicPr>
+          <p:cNvPr id="5" name="Picture 4" descr="Text&#10;&#10;Description automatically generated">
+            <a:extLst>
+              <a:ext uri="{FF2B5EF4-FFF2-40B4-BE49-F238E27FC236}">
+                <a16:creationId xmlns:a16="http://schemas.microsoft.com/office/drawing/2014/main" id="{1CC5A034-3B70-8040-90B1-A4500AC7CE49}"/>
+              </a:ext>
+            </a:extLst>
+          </p:cNvPr>
+          <p:cNvPicPr>
+            <a:picLocks noChangeAspect="1"/>
+          </p:cNvPicPr>
+          <p:nvPr/>
+        </p:nvPicPr>
+        <p:blipFill>
+          <a:blip r:embed="rId2"/>
+          <a:stretch>
+            <a:fillRect/>
+          </a:stretch>
+        </p:blipFill>
+        <p:spPr>
+          <a:xfrm>
+            <a:off x="6840638" y="2392100"/>
+            <a:ext cx="5494760" cy="686845"/>
+          </a:xfrm>
+          <a:prstGeom prst="rect">
+            <a:avLst/>
+          </a:prstGeom>
+        </p:spPr>
+      </p:pic>
+      <p:pic>
+        <p:nvPicPr>
+          <p:cNvPr id="7" name="Picture 6" descr="A screenshot of a computer&#10;&#10;Description automatically generated with medium confidence">
+            <a:extLst>
+              <a:ext uri="{FF2B5EF4-FFF2-40B4-BE49-F238E27FC236}">
+                <a16:creationId xmlns:a16="http://schemas.microsoft.com/office/drawing/2014/main" id="{F49D6C54-8966-A640-A860-7B9903303B57}"/>
+              </a:ext>
+            </a:extLst>
+          </p:cNvPr>
+          <p:cNvPicPr>
+            <a:picLocks noChangeAspect="1"/>
+          </p:cNvPicPr>
+          <p:nvPr/>
+        </p:nvPicPr>
+        <p:blipFill>
+          <a:blip r:embed="rId3"/>
+          <a:stretch>
+            <a:fillRect/>
+          </a:stretch>
+        </p:blipFill>
+        <p:spPr>
+          <a:xfrm>
+            <a:off x="6944809" y="3318676"/>
+            <a:ext cx="4765715" cy="2081638"/>
+          </a:xfrm>
+          <a:prstGeom prst="rect">
+            <a:avLst/>
+          </a:prstGeom>
+        </p:spPr>
+      </p:pic>
+    </p:spTree>
+    <p:extLst>
+      <p:ext uri="{BB962C8B-B14F-4D97-AF65-F5344CB8AC3E}">
+        <p14:creationId xmlns:p14="http://schemas.microsoft.com/office/powerpoint/2010/main" val="3198412182"/>
+      </p:ext>
+    </p:extLst>
+  </p:cSld>
+  <p:clrMapOvr>
+    <a:masterClrMapping/>
+  </p:clrMapOvr>
+</p:sld>
+</file>
+
+<file path=ppt/slides/slide23.xml><?xml version="1.0" encoding="utf-8"?>
+<p:sld xmlns:a="http://schemas.openxmlformats.org/drawingml/2006/main" xmlns:r="http://schemas.openxmlformats.org/officeDocument/2006/relationships" xmlns:p="http://schemas.openxmlformats.org/presentationml/2006/main">
+  <p:cSld>
+    <p:spTree>
+      <p:nvGrpSpPr>
+        <p:cNvPr id="1" name=""/>
+        <p:cNvGrpSpPr/>
+        <p:nvPr/>
+      </p:nvGrpSpPr>
+      <p:grpSpPr>
+        <a:xfrm>
+          <a:off x="0" y="0"/>
+          <a:ext cx="0" cy="0"/>
+          <a:chOff x="0" y="0"/>
+          <a:chExt cx="0" cy="0"/>
+        </a:xfrm>
+      </p:grpSpPr>
+      <p:sp>
+        <p:nvSpPr>
+          <p:cNvPr id="2" name="Title 1">
+            <a:extLst>
+              <a:ext uri="{FF2B5EF4-FFF2-40B4-BE49-F238E27FC236}">
+                <a16:creationId xmlns:a16="http://schemas.microsoft.com/office/drawing/2014/main" id="{DF153AE3-9074-D641-B010-593C2B1647C1}"/>
+              </a:ext>
+            </a:extLst>
+          </p:cNvPr>
+          <p:cNvSpPr>
+            <a:spLocks noGrp="1"/>
+          </p:cNvSpPr>
+          <p:nvPr>
+            <p:ph type="title"/>
+          </p:nvPr>
+        </p:nvSpPr>
+        <p:spPr/>
+        <p:txBody>
+          <a:bodyPr/>
+          <a:lstStyle/>
+          <a:p>
+            <a:r>
+              <a:rPr lang="en-US" dirty="0"/>
+              <a:t>Advanced issues</a:t>
+            </a:r>
+          </a:p>
+        </p:txBody>
+      </p:sp>
+      <p:sp>
+        <p:nvSpPr>
+          <p:cNvPr id="3" name="Content Placeholder 2">
+            <a:extLst>
+              <a:ext uri="{FF2B5EF4-FFF2-40B4-BE49-F238E27FC236}">
+                <a16:creationId xmlns:a16="http://schemas.microsoft.com/office/drawing/2014/main" id="{55DC4681-9B39-4741-9DC7-A5D3D2EFB8A8}"/>
+              </a:ext>
+            </a:extLst>
+          </p:cNvPr>
+          <p:cNvSpPr>
+            <a:spLocks noGrp="1"/>
+          </p:cNvSpPr>
+          <p:nvPr>
+            <p:ph idx="1"/>
+          </p:nvPr>
+        </p:nvSpPr>
+        <p:spPr>
+          <a:xfrm>
+            <a:off x="838200" y="2487929"/>
+            <a:ext cx="6141334" cy="4351338"/>
+          </a:xfrm>
+        </p:spPr>
+        <p:txBody>
+          <a:bodyPr/>
+          <a:lstStyle/>
+          <a:p>
+            <a:r>
+              <a:rPr lang="en-US" dirty="0"/>
+              <a:t>You can customize the issue</a:t>
+            </a:r>
+          </a:p>
+          <a:p>
+            <a:r>
+              <a:rPr lang="en-US" dirty="0"/>
+              <a:t>Assigning someone means they can track</a:t>
+            </a:r>
+          </a:p>
+          <a:p>
+            <a:r>
+              <a:rPr lang="en-US" dirty="0"/>
+              <a:t>Labels allow you to see what type of issue it is</a:t>
+            </a:r>
+          </a:p>
+        </p:txBody>
+      </p:sp>
+      <p:pic>
+        <p:nvPicPr>
+          <p:cNvPr id="5" name="Picture 4" descr="Graphical user interface, application&#10;&#10;Description automatically generated">
+            <a:extLst>
+              <a:ext uri="{FF2B5EF4-FFF2-40B4-BE49-F238E27FC236}">
+                <a16:creationId xmlns:a16="http://schemas.microsoft.com/office/drawing/2014/main" id="{E6E86228-5ABC-824A-B237-1D3FA996695B}"/>
+              </a:ext>
+            </a:extLst>
+          </p:cNvPr>
+          <p:cNvPicPr>
+            <a:picLocks noChangeAspect="1"/>
+          </p:cNvPicPr>
+          <p:nvPr/>
+        </p:nvPicPr>
+        <p:blipFill>
+          <a:blip r:embed="rId2"/>
+          <a:stretch>
+            <a:fillRect/>
+          </a:stretch>
+        </p:blipFill>
+        <p:spPr>
+          <a:xfrm>
+            <a:off x="7162800" y="2047834"/>
+            <a:ext cx="4191000" cy="2044700"/>
+          </a:xfrm>
+          <a:prstGeom prst="rect">
+            <a:avLst/>
+          </a:prstGeom>
+        </p:spPr>
+      </p:pic>
+      <p:pic>
+        <p:nvPicPr>
+          <p:cNvPr id="7" name="Picture 6" descr="Graphical user interface, application, Teams&#10;&#10;Description automatically generated">
+            <a:extLst>
+              <a:ext uri="{FF2B5EF4-FFF2-40B4-BE49-F238E27FC236}">
+                <a16:creationId xmlns:a16="http://schemas.microsoft.com/office/drawing/2014/main" id="{03637584-D6A3-8840-9ADE-8F9B2BAD911F}"/>
+              </a:ext>
+            </a:extLst>
+          </p:cNvPr>
+          <p:cNvPicPr>
+            <a:picLocks noChangeAspect="1"/>
+          </p:cNvPicPr>
+          <p:nvPr/>
+        </p:nvPicPr>
+        <p:blipFill>
+          <a:blip r:embed="rId3"/>
+          <a:stretch>
+            <a:fillRect/>
+          </a:stretch>
+        </p:blipFill>
+        <p:spPr>
+          <a:xfrm>
+            <a:off x="7162800" y="4092534"/>
+            <a:ext cx="2350646" cy="2765466"/>
+          </a:xfrm>
+          <a:prstGeom prst="rect">
+            <a:avLst/>
+          </a:prstGeom>
+        </p:spPr>
+      </p:pic>
+    </p:spTree>
+    <p:extLst>
+      <p:ext uri="{BB962C8B-B14F-4D97-AF65-F5344CB8AC3E}">
+        <p14:creationId xmlns:p14="http://schemas.microsoft.com/office/powerpoint/2010/main" val="3451822101"/>
+      </p:ext>
+    </p:extLst>
+  </p:cSld>
+  <p:clrMapOvr>
+    <a:masterClrMapping/>
+  </p:clrMapOvr>
+</p:sld>
+</file>
+
+<file path=ppt/slides/slide24.xml><?xml version="1.0" encoding="utf-8"?>
+<p:sld xmlns:a="http://schemas.openxmlformats.org/drawingml/2006/main" xmlns:r="http://schemas.openxmlformats.org/officeDocument/2006/relationships" xmlns:p="http://schemas.openxmlformats.org/presentationml/2006/main">
+  <p:cSld>
+    <p:spTree>
+      <p:nvGrpSpPr>
+        <p:cNvPr id="1" name=""/>
+        <p:cNvGrpSpPr/>
+        <p:nvPr/>
+      </p:nvGrpSpPr>
+      <p:grpSpPr>
+        <a:xfrm>
+          <a:off x="0" y="0"/>
+          <a:ext cx="0" cy="0"/>
+          <a:chOff x="0" y="0"/>
+          <a:chExt cx="0" cy="0"/>
+        </a:xfrm>
+      </p:grpSpPr>
+      <p:sp>
+        <p:nvSpPr>
+          <p:cNvPr id="2" name="Title 1">
+            <a:extLst>
+              <a:ext uri="{FF2B5EF4-FFF2-40B4-BE49-F238E27FC236}">
+                <a16:creationId xmlns:a16="http://schemas.microsoft.com/office/drawing/2014/main" id="{E68B51F6-4B96-9649-9F77-C9B44948062B}"/>
+              </a:ext>
+            </a:extLst>
+          </p:cNvPr>
+          <p:cNvSpPr>
+            <a:spLocks noGrp="1"/>
+          </p:cNvSpPr>
+          <p:nvPr>
+            <p:ph type="title"/>
+          </p:nvPr>
+        </p:nvSpPr>
+        <p:spPr/>
+        <p:txBody>
+          <a:bodyPr/>
+          <a:lstStyle/>
+          <a:p>
+            <a:r>
+              <a:rPr lang="en-US" dirty="0"/>
+              <a:t>Working as a team</a:t>
+            </a:r>
+          </a:p>
+        </p:txBody>
+      </p:sp>
+      <p:sp>
+        <p:nvSpPr>
+          <p:cNvPr id="3" name="Content Placeholder 2">
+            <a:extLst>
+              <a:ext uri="{FF2B5EF4-FFF2-40B4-BE49-F238E27FC236}">
+                <a16:creationId xmlns:a16="http://schemas.microsoft.com/office/drawing/2014/main" id="{F7BFC667-1E77-1C4B-9AE7-C69A1BB83951}"/>
+              </a:ext>
+            </a:extLst>
+          </p:cNvPr>
+          <p:cNvSpPr>
+            <a:spLocks noGrp="1"/>
+          </p:cNvSpPr>
+          <p:nvPr>
+            <p:ph idx="1"/>
+          </p:nvPr>
+        </p:nvSpPr>
+        <p:spPr/>
+        <p:txBody>
+          <a:bodyPr/>
+          <a:lstStyle/>
+          <a:p>
+            <a:r>
+              <a:rPr lang="en-US" dirty="0"/>
+              <a:t>You can create a GitHub Organization</a:t>
+            </a:r>
+          </a:p>
+          <a:p>
+            <a:r>
+              <a:rPr lang="en-US" dirty="0"/>
+              <a:t>This works the same way, but repositories are in the organization instead of your private accounts</a:t>
+            </a:r>
+          </a:p>
+          <a:p>
+            <a:r>
+              <a:rPr lang="en-US" dirty="0"/>
+              <a:t>The owner can create teams, giving access to different repositories</a:t>
+            </a:r>
+          </a:p>
+          <a:p>
+            <a:r>
+              <a:rPr lang="en-US" dirty="0"/>
+              <a:t>You can also add external collaborators</a:t>
+            </a:r>
+          </a:p>
+          <a:p>
+            <a:endParaRPr lang="en-US" dirty="0"/>
+          </a:p>
+        </p:txBody>
+      </p:sp>
+    </p:spTree>
+    <p:extLst>
+      <p:ext uri="{BB962C8B-B14F-4D97-AF65-F5344CB8AC3E}">
+        <p14:creationId xmlns:p14="http://schemas.microsoft.com/office/powerpoint/2010/main" val="2245909273"/>
+      </p:ext>
+    </p:extLst>
+  </p:cSld>
+  <p:clrMapOvr>
+    <a:masterClrMapping/>
+  </p:clrMapOvr>
+</p:sld>
+</file>
+
+<file path=ppt/slides/slide25.xml><?xml version="1.0" encoding="utf-8"?>
+<p:sld xmlns:a="http://schemas.openxmlformats.org/drawingml/2006/main" xmlns:r="http://schemas.openxmlformats.org/officeDocument/2006/relationships" xmlns:p="http://schemas.openxmlformats.org/presentationml/2006/main">
+  <p:cSld>
+    <p:spTree>
+      <p:nvGrpSpPr>
+        <p:cNvPr id="1" name=""/>
+        <p:cNvGrpSpPr/>
+        <p:nvPr/>
+      </p:nvGrpSpPr>
+      <p:grpSpPr>
+        <a:xfrm>
+          <a:off x="0" y="0"/>
+          <a:ext cx="0" cy="0"/>
+          <a:chOff x="0" y="0"/>
+          <a:chExt cx="0" cy="0"/>
+        </a:xfrm>
+      </p:grpSpPr>
+      <p:sp>
+        <p:nvSpPr>
+          <p:cNvPr id="2" name="Title 1">
+            <a:extLst>
+              <a:ext uri="{FF2B5EF4-FFF2-40B4-BE49-F238E27FC236}">
+                <a16:creationId xmlns:a16="http://schemas.microsoft.com/office/drawing/2014/main" id="{C557BE8E-680D-2A45-B13E-497EB37EF3BA}"/>
+              </a:ext>
+            </a:extLst>
+          </p:cNvPr>
+          <p:cNvSpPr>
+            <a:spLocks noGrp="1"/>
+          </p:cNvSpPr>
+          <p:nvPr>
+            <p:ph type="title"/>
+          </p:nvPr>
+        </p:nvSpPr>
+        <p:spPr/>
+        <p:txBody>
+          <a:bodyPr/>
+          <a:lstStyle/>
+          <a:p>
+            <a:r>
+              <a:rPr lang="en-US" dirty="0"/>
+              <a:t>Things I find useful…</a:t>
+            </a:r>
+          </a:p>
+        </p:txBody>
+      </p:sp>
+      <p:sp>
+        <p:nvSpPr>
+          <p:cNvPr id="3" name="Content Placeholder 2">
+            <a:extLst>
+              <a:ext uri="{FF2B5EF4-FFF2-40B4-BE49-F238E27FC236}">
+                <a16:creationId xmlns:a16="http://schemas.microsoft.com/office/drawing/2014/main" id="{F2E9777A-7A82-9143-A19B-9ED67EC7DA0C}"/>
+              </a:ext>
+            </a:extLst>
+          </p:cNvPr>
+          <p:cNvSpPr>
+            <a:spLocks noGrp="1"/>
+          </p:cNvSpPr>
+          <p:nvPr>
+            <p:ph idx="1"/>
+          </p:nvPr>
+        </p:nvSpPr>
+        <p:spPr/>
+        <p:txBody>
+          <a:bodyPr/>
+          <a:lstStyle/>
+          <a:p>
+            <a:r>
+              <a:rPr lang="en-US" dirty="0"/>
+              <a:t>Private repos: Non-lab things, external collaborations, messing with data or ideas</a:t>
+            </a:r>
+          </a:p>
+          <a:p>
+            <a:r>
+              <a:rPr lang="en-US" dirty="0"/>
+              <a:t>Public repos: Data or code to share, collaborations, R packages</a:t>
+            </a:r>
+          </a:p>
+          <a:p>
+            <a:r>
+              <a:rPr lang="en-US" dirty="0"/>
+              <a:t>Lab private: Student projects, works in progress, internal documentation</a:t>
+            </a:r>
+          </a:p>
+          <a:p>
+            <a:r>
+              <a:rPr lang="en-US" dirty="0"/>
+              <a:t>Lab public: Open data and code, lab studies</a:t>
+            </a:r>
+          </a:p>
+        </p:txBody>
+      </p:sp>
+    </p:spTree>
+    <p:extLst>
+      <p:ext uri="{BB962C8B-B14F-4D97-AF65-F5344CB8AC3E}">
+        <p14:creationId xmlns:p14="http://schemas.microsoft.com/office/powerpoint/2010/main" val="1563735280"/>
+      </p:ext>
+    </p:extLst>
+  </p:cSld>
+  <p:clrMapOvr>
+    <a:masterClrMapping/>
+  </p:clrMapOvr>
+</p:sld>
+</file>
+
+<file path=ppt/slides/slide26.xml><?xml version="1.0" encoding="utf-8"?>
+<p:sld xmlns:a="http://schemas.openxmlformats.org/drawingml/2006/main" xmlns:r="http://schemas.openxmlformats.org/officeDocument/2006/relationships" xmlns:p="http://schemas.openxmlformats.org/presentationml/2006/main">
+  <p:cSld>
+    <p:spTree>
+      <p:nvGrpSpPr>
+        <p:cNvPr id="1" name=""/>
+        <p:cNvGrpSpPr/>
+        <p:nvPr/>
+      </p:nvGrpSpPr>
+      <p:grpSpPr>
+        <a:xfrm>
+          <a:off x="0" y="0"/>
+          <a:ext cx="0" cy="0"/>
+          <a:chOff x="0" y="0"/>
+          <a:chExt cx="0" cy="0"/>
+        </a:xfrm>
+      </p:grpSpPr>
+      <p:sp>
+        <p:nvSpPr>
+          <p:cNvPr id="2" name="Title 1">
+            <a:extLst>
+              <a:ext uri="{FF2B5EF4-FFF2-40B4-BE49-F238E27FC236}">
+                <a16:creationId xmlns:a16="http://schemas.microsoft.com/office/drawing/2014/main" id="{4DA9E099-6AED-D748-A669-474BE2265FDE}"/>
+              </a:ext>
+            </a:extLst>
+          </p:cNvPr>
+          <p:cNvSpPr>
+            <a:spLocks noGrp="1"/>
+          </p:cNvSpPr>
+          <p:nvPr>
+            <p:ph type="title"/>
+          </p:nvPr>
+        </p:nvSpPr>
+        <p:spPr/>
+        <p:txBody>
+          <a:bodyPr/>
+          <a:lstStyle/>
+          <a:p>
+            <a:r>
+              <a:rPr lang="en-US" dirty="0"/>
+              <a:t>Things I find useful…</a:t>
+            </a:r>
+          </a:p>
+        </p:txBody>
+      </p:sp>
+      <p:sp>
+        <p:nvSpPr>
+          <p:cNvPr id="3" name="Content Placeholder 2">
+            <a:extLst>
+              <a:ext uri="{FF2B5EF4-FFF2-40B4-BE49-F238E27FC236}">
+                <a16:creationId xmlns:a16="http://schemas.microsoft.com/office/drawing/2014/main" id="{679F1EC4-31DD-ED49-8ADD-C202762EF625}"/>
+              </a:ext>
+            </a:extLst>
+          </p:cNvPr>
+          <p:cNvSpPr>
+            <a:spLocks noGrp="1"/>
+          </p:cNvSpPr>
+          <p:nvPr>
+            <p:ph idx="1"/>
+          </p:nvPr>
+        </p:nvSpPr>
+        <p:spPr/>
+        <p:txBody>
+          <a:bodyPr/>
+          <a:lstStyle/>
+          <a:p>
+            <a:r>
+              <a:rPr lang="en-US" dirty="0"/>
+              <a:t>Think about a file structure in advance. I often have something like:</a:t>
+            </a:r>
+          </a:p>
+          <a:p>
+            <a:pPr lvl="1"/>
+            <a:r>
+              <a:rPr lang="en-US" dirty="0"/>
+              <a:t>Data/</a:t>
+            </a:r>
+          </a:p>
+          <a:p>
+            <a:pPr lvl="1"/>
+            <a:r>
+              <a:rPr lang="en-US" dirty="0"/>
+              <a:t>Scripts/</a:t>
+            </a:r>
+          </a:p>
+          <a:p>
+            <a:pPr lvl="1"/>
+            <a:r>
+              <a:rPr lang="en-US" dirty="0"/>
+              <a:t>Documentation/</a:t>
+            </a:r>
+          </a:p>
+          <a:p>
+            <a:pPr lvl="1"/>
+            <a:r>
+              <a:rPr lang="en-US" dirty="0" err="1"/>
+              <a:t>Misc</a:t>
+            </a:r>
+            <a:r>
+              <a:rPr lang="en-US" dirty="0"/>
+              <a:t>/</a:t>
+            </a:r>
+          </a:p>
+          <a:p>
+            <a:r>
+              <a:rPr lang="en-US" dirty="0"/>
+              <a:t>On lab private repos sometimes a personal scripts folder is useful so you can play around in a safe environment</a:t>
+            </a:r>
+          </a:p>
+        </p:txBody>
+      </p:sp>
+    </p:spTree>
+    <p:extLst>
+      <p:ext uri="{BB962C8B-B14F-4D97-AF65-F5344CB8AC3E}">
+        <p14:creationId xmlns:p14="http://schemas.microsoft.com/office/powerpoint/2010/main" val="3854055561"/>
+      </p:ext>
+    </p:extLst>
+  </p:cSld>
+  <p:clrMapOvr>
+    <a:masterClrMapping/>
+  </p:clrMapOvr>
+</p:sld>
+</file>
+
+<file path=ppt/slides/slide27.xml><?xml version="1.0" encoding="utf-8"?>
+<p:sld xmlns:a="http://schemas.openxmlformats.org/drawingml/2006/main" xmlns:r="http://schemas.openxmlformats.org/officeDocument/2006/relationships" xmlns:p="http://schemas.openxmlformats.org/presentationml/2006/main">
+  <p:cSld>
+    <p:spTree>
+      <p:nvGrpSpPr>
+        <p:cNvPr id="1" name=""/>
+        <p:cNvGrpSpPr/>
+        <p:nvPr/>
+      </p:nvGrpSpPr>
+      <p:grpSpPr>
+        <a:xfrm>
+          <a:off x="0" y="0"/>
+          <a:ext cx="0" cy="0"/>
+          <a:chOff x="0" y="0"/>
+          <a:chExt cx="0" cy="0"/>
+        </a:xfrm>
+      </p:grpSpPr>
+      <p:sp>
+        <p:nvSpPr>
+          <p:cNvPr id="2" name="Title 1">
+            <a:extLst>
+              <a:ext uri="{FF2B5EF4-FFF2-40B4-BE49-F238E27FC236}">
+                <a16:creationId xmlns:a16="http://schemas.microsoft.com/office/drawing/2014/main" id="{40F32321-6D6D-7A41-928C-0969326C591C}"/>
+              </a:ext>
+            </a:extLst>
+          </p:cNvPr>
+          <p:cNvSpPr>
+            <a:spLocks noGrp="1"/>
+          </p:cNvSpPr>
+          <p:nvPr>
+            <p:ph type="title"/>
+          </p:nvPr>
+        </p:nvSpPr>
+        <p:spPr/>
+        <p:txBody>
+          <a:bodyPr/>
+          <a:lstStyle/>
+          <a:p>
+            <a:r>
+              <a:rPr lang="en-US" dirty="0"/>
+              <a:t>Things I find useful…</a:t>
+            </a:r>
+          </a:p>
+        </p:txBody>
+      </p:sp>
+      <p:sp>
+        <p:nvSpPr>
+          <p:cNvPr id="3" name="Content Placeholder 2">
+            <a:extLst>
+              <a:ext uri="{FF2B5EF4-FFF2-40B4-BE49-F238E27FC236}">
+                <a16:creationId xmlns:a16="http://schemas.microsoft.com/office/drawing/2014/main" id="{F94C174B-7DDE-B84A-AC35-3C38BC8F65F4}"/>
+              </a:ext>
+            </a:extLst>
+          </p:cNvPr>
+          <p:cNvSpPr>
+            <a:spLocks noGrp="1"/>
+          </p:cNvSpPr>
+          <p:nvPr>
+            <p:ph idx="1"/>
+          </p:nvPr>
+        </p:nvSpPr>
+        <p:spPr/>
+        <p:txBody>
+          <a:bodyPr/>
+          <a:lstStyle/>
+          <a:p>
+            <a:r>
+              <a:rPr lang="en-US" dirty="0"/>
+              <a:t>Think about what goes in a repository</a:t>
+            </a:r>
+          </a:p>
+          <a:p>
+            <a:r>
+              <a:rPr lang="en-US" dirty="0"/>
+              <a:t>One repo for a large project can sometimes be too big</a:t>
+            </a:r>
+          </a:p>
+          <a:p>
+            <a:r>
+              <a:rPr lang="en-US" dirty="0"/>
+              <a:t>Large files can’t go in there, so sometimes they need to be ignored</a:t>
+            </a:r>
+          </a:p>
+          <a:p>
+            <a:r>
+              <a:rPr lang="en-US" dirty="0"/>
+              <a:t>It can be nice to have a repo for each paper, so it is easy for other people to find</a:t>
+            </a:r>
+          </a:p>
+        </p:txBody>
+      </p:sp>
+    </p:spTree>
+    <p:extLst>
+      <p:ext uri="{BB962C8B-B14F-4D97-AF65-F5344CB8AC3E}">
+        <p14:creationId xmlns:p14="http://schemas.microsoft.com/office/powerpoint/2010/main" val="372263437"/>
+      </p:ext>
+    </p:extLst>
+  </p:cSld>
+  <p:clrMapOvr>
+    <a:masterClrMapping/>
+  </p:clrMapOvr>
+</p:sld>
+</file>
+
+<file path=ppt/slides/slide28.xml><?xml version="1.0" encoding="utf-8"?>
+<p:sld xmlns:a="http://schemas.openxmlformats.org/drawingml/2006/main" xmlns:r="http://schemas.openxmlformats.org/officeDocument/2006/relationships" xmlns:p="http://schemas.openxmlformats.org/presentationml/2006/main">
+  <p:cSld>
+    <p:spTree>
+      <p:nvGrpSpPr>
+        <p:cNvPr id="1" name=""/>
+        <p:cNvGrpSpPr/>
+        <p:nvPr/>
+      </p:nvGrpSpPr>
+      <p:grpSpPr>
+        <a:xfrm>
+          <a:off x="0" y="0"/>
+          <a:ext cx="0" cy="0"/>
+          <a:chOff x="0" y="0"/>
+          <a:chExt cx="0" cy="0"/>
+        </a:xfrm>
+      </p:grpSpPr>
+      <p:sp>
+        <p:nvSpPr>
+          <p:cNvPr id="2" name="Title 1">
+            <a:extLst>
+              <a:ext uri="{FF2B5EF4-FFF2-40B4-BE49-F238E27FC236}">
+                <a16:creationId xmlns:a16="http://schemas.microsoft.com/office/drawing/2014/main" id="{7C2E7707-4DC6-FF49-8AEC-CB107AAFB6FE}"/>
+              </a:ext>
+            </a:extLst>
+          </p:cNvPr>
+          <p:cNvSpPr>
+            <a:spLocks noGrp="1"/>
+          </p:cNvSpPr>
+          <p:nvPr>
+            <p:ph type="title"/>
+          </p:nvPr>
+        </p:nvSpPr>
+        <p:spPr/>
+        <p:txBody>
+          <a:bodyPr/>
+          <a:lstStyle/>
+          <a:p>
+            <a:r>
+              <a:rPr lang="en-US" dirty="0"/>
+              <a:t>Other fun stuff</a:t>
+            </a:r>
+          </a:p>
+        </p:txBody>
+      </p:sp>
+      <p:sp>
+        <p:nvSpPr>
+          <p:cNvPr id="3" name="Content Placeholder 2">
+            <a:extLst>
+              <a:ext uri="{FF2B5EF4-FFF2-40B4-BE49-F238E27FC236}">
+                <a16:creationId xmlns:a16="http://schemas.microsoft.com/office/drawing/2014/main" id="{F5C2533F-655D-7343-A7F2-6BC7EBD9DF99}"/>
+              </a:ext>
+            </a:extLst>
+          </p:cNvPr>
+          <p:cNvSpPr>
+            <a:spLocks noGrp="1"/>
+          </p:cNvSpPr>
+          <p:nvPr>
+            <p:ph idx="1"/>
+          </p:nvPr>
+        </p:nvSpPr>
+        <p:spPr/>
+        <p:txBody>
+          <a:bodyPr/>
+          <a:lstStyle/>
+          <a:p>
+            <a:r>
+              <a:rPr lang="en-US" dirty="0"/>
+              <a:t>GitHub integrates nicely with OSF for sharing data</a:t>
+            </a:r>
+          </a:p>
+          <a:p>
+            <a:r>
+              <a:rPr lang="en-US" dirty="0"/>
+              <a:t>It can link with things like overleaf pro</a:t>
+            </a:r>
+          </a:p>
+          <a:p>
+            <a:r>
+              <a:rPr lang="en-US" dirty="0"/>
+              <a:t>You can host and maintain a website from there (for free)</a:t>
+            </a:r>
+          </a:p>
+          <a:p>
+            <a:endParaRPr lang="en-US" dirty="0"/>
+          </a:p>
+        </p:txBody>
+      </p:sp>
+    </p:spTree>
+    <p:extLst>
+      <p:ext uri="{BB962C8B-B14F-4D97-AF65-F5344CB8AC3E}">
+        <p14:creationId xmlns:p14="http://schemas.microsoft.com/office/powerpoint/2010/main" val="2475216470"/>
+      </p:ext>
+    </p:extLst>
+  </p:cSld>
+  <p:clrMapOvr>
+    <a:masterClrMapping/>
+  </p:clrMapOvr>
+</p:sld>
+</file>
+
+<file path=ppt/slides/slide29.xml><?xml version="1.0" encoding="utf-8"?>
+<p:sld xmlns:a="http://schemas.openxmlformats.org/drawingml/2006/main" xmlns:r="http://schemas.openxmlformats.org/officeDocument/2006/relationships" xmlns:p="http://schemas.openxmlformats.org/presentationml/2006/main">
+  <p:cSld>
+    <p:spTree>
+      <p:nvGrpSpPr>
+        <p:cNvPr id="1" name=""/>
+        <p:cNvGrpSpPr/>
+        <p:nvPr/>
+      </p:nvGrpSpPr>
+      <p:grpSpPr>
+        <a:xfrm>
+          <a:off x="0" y="0"/>
+          <a:ext cx="0" cy="0"/>
+          <a:chOff x="0" y="0"/>
+          <a:chExt cx="0" cy="0"/>
+        </a:xfrm>
+      </p:grpSpPr>
+      <p:sp>
+        <p:nvSpPr>
+          <p:cNvPr id="2" name="Title 1">
+            <a:extLst>
+              <a:ext uri="{FF2B5EF4-FFF2-40B4-BE49-F238E27FC236}">
+                <a16:creationId xmlns:a16="http://schemas.microsoft.com/office/drawing/2014/main" id="{FEC0020B-FCDF-9F46-9008-E6F27485AC4F}"/>
+              </a:ext>
+            </a:extLst>
+          </p:cNvPr>
+          <p:cNvSpPr>
+            <a:spLocks noGrp="1"/>
+          </p:cNvSpPr>
+          <p:nvPr>
+            <p:ph type="title"/>
+          </p:nvPr>
+        </p:nvSpPr>
+        <p:spPr/>
+        <p:txBody>
+          <a:bodyPr/>
+          <a:lstStyle/>
+          <a:p>
+            <a:r>
+              <a:rPr lang="en-US"/>
+              <a:t>Let’s try it!!</a:t>
+            </a:r>
+          </a:p>
+        </p:txBody>
+      </p:sp>
+      <p:sp>
+        <p:nvSpPr>
+          <p:cNvPr id="3" name="Content Placeholder 2">
+            <a:extLst>
+              <a:ext uri="{FF2B5EF4-FFF2-40B4-BE49-F238E27FC236}">
+                <a16:creationId xmlns:a16="http://schemas.microsoft.com/office/drawing/2014/main" id="{4E1AE5AC-DA8D-BD44-8D3C-42674AACFD45}"/>
+              </a:ext>
+            </a:extLst>
+          </p:cNvPr>
+          <p:cNvSpPr>
+            <a:spLocks noGrp="1"/>
+          </p:cNvSpPr>
+          <p:nvPr>
+            <p:ph idx="1"/>
+          </p:nvPr>
+        </p:nvSpPr>
+        <p:spPr/>
+        <p:txBody>
+          <a:bodyPr/>
+          <a:lstStyle/>
+          <a:p>
+            <a:endParaRPr lang="en-US"/>
+          </a:p>
+        </p:txBody>
+      </p:sp>
+    </p:spTree>
+    <p:extLst>
+      <p:ext uri="{BB962C8B-B14F-4D97-AF65-F5344CB8AC3E}">
+        <p14:creationId xmlns:p14="http://schemas.microsoft.com/office/powerpoint/2010/main" val="709280719"/>
       </p:ext>
     </p:extLst>
   </p:cSld>

--- a/GitHub_Tools.pptx
+++ b/GitHub_Tools.pptx
@@ -6818,7 +6818,7 @@
           <a:lstStyle/>
           <a:p>
             <a:r>
-              <a:rPr lang="en-US"/>
+              <a:rPr lang="en-US" dirty="0"/>
               <a:t>Let’s try it!!</a:t>
             </a:r>
           </a:p>
